--- a/docs/outline.pptx
+++ b/docs/outline.pptx
@@ -6,7 +6,8 @@
   </p:sldMasterIdLst>
   <p:sldIdLst>
     <p:sldId id="256" r:id="rId2"/>
-    <p:sldId id="257" r:id="rId3"/>
+    <p:sldId id="259" r:id="rId3"/>
+    <p:sldId id="258" r:id="rId4"/>
   </p:sldIdLst>
   <p:sldSz cx="12192000" cy="6858000"/>
   <p:notesSz cx="6858000" cy="9144000"/>
@@ -5263,58 +5264,3893 @@
       </p:grpSpPr>
       <p:sp>
         <p:nvSpPr>
-          <p:cNvPr id="2" name="Title 1">
-            <a:extLst>
-              <a:ext uri="{FF2B5EF4-FFF2-40B4-BE49-F238E27FC236}">
-                <a16:creationId xmlns:a16="http://schemas.microsoft.com/office/drawing/2014/main" id="{C061282C-8601-5843-8BE8-2BC96B1F72CB}"/>
-              </a:ext>
-            </a:extLst>
-          </p:cNvPr>
-          <p:cNvSpPr>
-            <a:spLocks noGrp="1"/>
-          </p:cNvSpPr>
-          <p:nvPr>
-            <p:ph type="title"/>
-          </p:nvPr>
-        </p:nvSpPr>
-        <p:spPr/>
-        <p:txBody>
-          <a:bodyPr/>
-          <a:lstStyle/>
-          <a:p>
+          <p:cNvPr id="90" name="TextBox 89">
+            <a:extLst>
+              <a:ext uri="{FF2B5EF4-FFF2-40B4-BE49-F238E27FC236}">
+                <a16:creationId xmlns:a16="http://schemas.microsoft.com/office/drawing/2014/main" id="{14EC8D62-2D2C-F148-A123-621E4416051A}"/>
+              </a:ext>
+            </a:extLst>
+          </p:cNvPr>
+          <p:cNvSpPr txBox="1"/>
+          <p:nvPr/>
+        </p:nvSpPr>
+        <p:spPr>
+          <a:xfrm>
+            <a:off x="7861576" y="5211544"/>
+            <a:ext cx="1295348" cy="646331"/>
+          </a:xfrm>
+          <a:prstGeom prst="rect">
+            <a:avLst/>
+          </a:prstGeom>
+          <a:noFill/>
+        </p:spPr>
+        <p:txBody>
+          <a:bodyPr wrap="square" rtlCol="0">
+            <a:spAutoFit/>
+          </a:bodyPr>
+          <a:lstStyle/>
+          <a:p>
+            <a:r>
+              <a:rPr lang="en-US" sz="1200" dirty="0" err="1"/>
+              <a:t>Makevar.in</a:t>
+            </a:r>
+            <a:endParaRPr lang="en-US" sz="1200" dirty="0"/>
+          </a:p>
+          <a:p>
+            <a:r>
+              <a:rPr lang="en-US" sz="1200" dirty="0" err="1"/>
+              <a:t>RcppExport.cpp</a:t>
+            </a:r>
+            <a:endParaRPr lang="en-US" sz="1200" dirty="0"/>
+          </a:p>
+          <a:p>
+            <a:r>
+              <a:rPr lang="en-US" sz="1200" dirty="0" err="1"/>
+              <a:t>src</a:t>
+            </a:r>
+            <a:r>
+              <a:rPr lang="en-US" sz="1200" dirty="0"/>
+              <a:t>/</a:t>
+            </a:r>
+          </a:p>
+        </p:txBody>
+      </p:sp>
+      <p:grpSp>
+        <p:nvGrpSpPr>
+          <p:cNvPr id="20" name="Group 19">
+            <a:extLst>
+              <a:ext uri="{FF2B5EF4-FFF2-40B4-BE49-F238E27FC236}">
+                <a16:creationId xmlns:a16="http://schemas.microsoft.com/office/drawing/2014/main" id="{B2804BD6-6FB1-E641-BC14-D01FAD9E2E51}"/>
+              </a:ext>
+            </a:extLst>
+          </p:cNvPr>
+          <p:cNvGrpSpPr/>
+          <p:nvPr/>
+        </p:nvGrpSpPr>
+        <p:grpSpPr>
+          <a:xfrm>
+            <a:off x="6582501" y="247856"/>
+            <a:ext cx="1926318" cy="456571"/>
+            <a:chOff x="835736" y="897607"/>
+            <a:chExt cx="1926318" cy="456572"/>
+          </a:xfrm>
+        </p:grpSpPr>
+        <p:sp>
+          <p:nvSpPr>
+            <p:cNvPr id="5" name="Rounded Rectangle 4">
+              <a:extLst>
+                <a:ext uri="{FF2B5EF4-FFF2-40B4-BE49-F238E27FC236}">
+                  <a16:creationId xmlns:a16="http://schemas.microsoft.com/office/drawing/2014/main" id="{86D9DBC8-DDFF-D741-A377-E0E7F3031973}"/>
+                </a:ext>
+              </a:extLst>
+            </p:cNvPr>
+            <p:cNvSpPr/>
+            <p:nvPr/>
+          </p:nvSpPr>
+          <p:spPr>
+            <a:xfrm>
+              <a:off x="835736" y="897607"/>
+              <a:ext cx="1834829" cy="456572"/>
+            </a:xfrm>
+            <a:prstGeom prst="roundRect">
+              <a:avLst>
+                <a:gd name="adj" fmla="val 8975"/>
+              </a:avLst>
+            </a:prstGeom>
+            <a:solidFill>
+              <a:schemeClr val="bg2"/>
+            </a:solidFill>
+            <a:ln>
+              <a:solidFill>
+                <a:schemeClr val="bg1">
+                  <a:lumMod val="50000"/>
+                </a:schemeClr>
+              </a:solidFill>
+            </a:ln>
+          </p:spPr>
+          <p:style>
+            <a:lnRef idx="2">
+              <a:schemeClr val="accent1">
+                <a:shade val="50000"/>
+              </a:schemeClr>
+            </a:lnRef>
+            <a:fillRef idx="1">
+              <a:schemeClr val="accent1"/>
+            </a:fillRef>
+            <a:effectRef idx="0">
+              <a:schemeClr val="accent1"/>
+            </a:effectRef>
+            <a:fontRef idx="minor">
+              <a:schemeClr val="lt1"/>
+            </a:fontRef>
+          </p:style>
+          <p:txBody>
+            <a:bodyPr lIns="91440" rIns="91440" rtlCol="0" anchor="ctr"/>
+            <a:lstStyle/>
+            <a:p>
+              <a:pPr algn="ctr"/>
+              <a:endParaRPr lang="en-US" sz="1801" dirty="0">
+                <a:solidFill>
+                  <a:schemeClr val="tx1"/>
+                </a:solidFill>
+              </a:endParaRPr>
+            </a:p>
+          </p:txBody>
+        </p:sp>
+        <p:pic>
+          <p:nvPicPr>
+            <p:cNvPr id="7" name="Picture 6">
+              <a:extLst>
+                <a:ext uri="{FF2B5EF4-FFF2-40B4-BE49-F238E27FC236}">
+                  <a16:creationId xmlns:a16="http://schemas.microsoft.com/office/drawing/2014/main" id="{6CA18A26-24E0-B047-B8A5-CF884057394D}"/>
+                </a:ext>
+              </a:extLst>
+            </p:cNvPr>
+            <p:cNvPicPr>
+              <a:picLocks noChangeAspect="1"/>
+            </p:cNvPicPr>
+            <p:nvPr/>
+          </p:nvPicPr>
+          <p:blipFill>
+            <a:blip r:embed="rId2"/>
+            <a:stretch>
+              <a:fillRect/>
+            </a:stretch>
+          </p:blipFill>
+          <p:spPr>
+            <a:xfrm>
+              <a:off x="989574" y="952541"/>
+              <a:ext cx="346702" cy="346702"/>
+            </a:xfrm>
+            <a:prstGeom prst="rect">
+              <a:avLst/>
+            </a:prstGeom>
+          </p:spPr>
+        </p:pic>
+        <p:sp>
+          <p:nvSpPr>
+            <p:cNvPr id="8" name="TextBox 7">
+              <a:extLst>
+                <a:ext uri="{FF2B5EF4-FFF2-40B4-BE49-F238E27FC236}">
+                  <a16:creationId xmlns:a16="http://schemas.microsoft.com/office/drawing/2014/main" id="{ECDCDB54-D3E6-2E4E-8125-EF784C571B75}"/>
+                </a:ext>
+              </a:extLst>
+            </p:cNvPr>
+            <p:cNvSpPr txBox="1"/>
+            <p:nvPr/>
+          </p:nvSpPr>
+          <p:spPr>
+            <a:xfrm>
+              <a:off x="1424692" y="984436"/>
+              <a:ext cx="1337362" cy="277000"/>
+            </a:xfrm>
+            <a:prstGeom prst="rect">
+              <a:avLst/>
+            </a:prstGeom>
+            <a:noFill/>
+          </p:spPr>
+          <p:txBody>
+            <a:bodyPr wrap="square" rtlCol="0">
+              <a:spAutoFit/>
+            </a:bodyPr>
+            <a:lstStyle/>
+            <a:p>
+              <a:r>
+                <a:rPr lang="en-US" sz="1200" dirty="0"/>
+                <a:t>sample-bindings</a:t>
+              </a:r>
+            </a:p>
+          </p:txBody>
+        </p:sp>
+      </p:grpSp>
+      <p:cxnSp>
+        <p:nvCxnSpPr>
+          <p:cNvPr id="10" name="Straight Connector 9">
+            <a:extLst>
+              <a:ext uri="{FF2B5EF4-FFF2-40B4-BE49-F238E27FC236}">
+                <a16:creationId xmlns:a16="http://schemas.microsoft.com/office/drawing/2014/main" id="{5D9AC0B9-4070-F441-AD8E-E25240F3946E}"/>
+              </a:ext>
+            </a:extLst>
+          </p:cNvPr>
+          <p:cNvCxnSpPr>
+            <a:cxnSpLocks/>
+            <a:stCxn id="5" idx="2"/>
+          </p:cNvCxnSpPr>
+          <p:nvPr/>
+        </p:nvCxnSpPr>
+        <p:spPr>
+          <a:xfrm>
+            <a:off x="7499916" y="704427"/>
+            <a:ext cx="0" cy="3963252"/>
+          </a:xfrm>
+          <a:prstGeom prst="line">
+            <a:avLst/>
+          </a:prstGeom>
+          <a:ln w="12700">
+            <a:solidFill>
+              <a:schemeClr val="bg1">
+                <a:lumMod val="50000"/>
+              </a:schemeClr>
+            </a:solidFill>
+          </a:ln>
+        </p:spPr>
+        <p:style>
+          <a:lnRef idx="1">
+            <a:schemeClr val="accent1"/>
+          </a:lnRef>
+          <a:fillRef idx="0">
+            <a:schemeClr val="accent1"/>
+          </a:fillRef>
+          <a:effectRef idx="0">
+            <a:schemeClr val="accent1"/>
+          </a:effectRef>
+          <a:fontRef idx="minor">
+            <a:schemeClr val="tx1"/>
+          </a:fontRef>
+        </p:style>
+      </p:cxnSp>
+      <p:sp>
+        <p:nvSpPr>
+          <p:cNvPr id="11" name="TextBox 10">
+            <a:extLst>
+              <a:ext uri="{FF2B5EF4-FFF2-40B4-BE49-F238E27FC236}">
+                <a16:creationId xmlns:a16="http://schemas.microsoft.com/office/drawing/2014/main" id="{2E6A0149-DFC5-3B4E-A6C0-BC73F5B7A610}"/>
+              </a:ext>
+            </a:extLst>
+          </p:cNvPr>
+          <p:cNvSpPr txBox="1"/>
+          <p:nvPr/>
+        </p:nvSpPr>
+        <p:spPr>
+          <a:xfrm>
+            <a:off x="7499146" y="703106"/>
+            <a:ext cx="1079549" cy="830997"/>
+          </a:xfrm>
+          <a:prstGeom prst="rect">
+            <a:avLst/>
+          </a:prstGeom>
+          <a:noFill/>
+        </p:spPr>
+        <p:txBody>
+          <a:bodyPr wrap="square" rtlCol="0">
+            <a:spAutoFit/>
+          </a:bodyPr>
+          <a:lstStyle/>
+          <a:p>
+            <a:r>
+              <a:rPr lang="en-US" sz="1200" dirty="0" err="1"/>
+              <a:t>README.md</a:t>
+            </a:r>
+            <a:endParaRPr lang="en-US" sz="1200" dirty="0"/>
+          </a:p>
+          <a:p>
+            <a:r>
+              <a:rPr lang="en-US" sz="1200" dirty="0"/>
+              <a:t>LISCENSE</a:t>
+            </a:r>
+          </a:p>
+          <a:p>
+            <a:r>
+              <a:rPr lang="en-US" sz="1200" dirty="0"/>
+              <a:t>…</a:t>
+            </a:r>
+          </a:p>
+          <a:p>
+            <a:r>
+              <a:rPr lang="en-US" sz="1200" dirty="0" err="1"/>
+              <a:t>src</a:t>
+            </a:r>
+            <a:r>
+              <a:rPr lang="en-US" sz="1200" dirty="0"/>
+              <a:t>/</a:t>
+            </a:r>
+          </a:p>
+        </p:txBody>
+      </p:sp>
+      <p:cxnSp>
+        <p:nvCxnSpPr>
+          <p:cNvPr id="23" name="Straight Connector 22">
+            <a:extLst>
+              <a:ext uri="{FF2B5EF4-FFF2-40B4-BE49-F238E27FC236}">
+                <a16:creationId xmlns:a16="http://schemas.microsoft.com/office/drawing/2014/main" id="{7634F813-9159-4B40-B65F-A70E09B9BBC5}"/>
+              </a:ext>
+            </a:extLst>
+          </p:cNvPr>
+          <p:cNvCxnSpPr>
+            <a:cxnSpLocks/>
+          </p:cNvCxnSpPr>
+          <p:nvPr/>
+        </p:nvCxnSpPr>
+        <p:spPr>
+          <a:xfrm>
+            <a:off x="7663170" y="1523758"/>
+            <a:ext cx="0" cy="649896"/>
+          </a:xfrm>
+          <a:prstGeom prst="line">
+            <a:avLst/>
+          </a:prstGeom>
+          <a:ln w="12700">
+            <a:solidFill>
+              <a:schemeClr val="bg1">
+                <a:lumMod val="50000"/>
+              </a:schemeClr>
+            </a:solidFill>
+          </a:ln>
+        </p:spPr>
+        <p:style>
+          <a:lnRef idx="1">
+            <a:schemeClr val="accent1"/>
+          </a:lnRef>
+          <a:fillRef idx="0">
+            <a:schemeClr val="accent1"/>
+          </a:fillRef>
+          <a:effectRef idx="0">
+            <a:schemeClr val="accent1"/>
+          </a:effectRef>
+          <a:fontRef idx="minor">
+            <a:schemeClr val="tx1"/>
+          </a:fontRef>
+        </p:style>
+      </p:cxnSp>
+      <p:sp>
+        <p:nvSpPr>
+          <p:cNvPr id="27" name="TextBox 26">
+            <a:extLst>
+              <a:ext uri="{FF2B5EF4-FFF2-40B4-BE49-F238E27FC236}">
+                <a16:creationId xmlns:a16="http://schemas.microsoft.com/office/drawing/2014/main" id="{90BC68C4-8610-8A44-867B-255588FDBF43}"/>
+              </a:ext>
+            </a:extLst>
+          </p:cNvPr>
+          <p:cNvSpPr txBox="1"/>
+          <p:nvPr/>
+        </p:nvSpPr>
+        <p:spPr>
+          <a:xfrm>
+            <a:off x="7653077" y="1453782"/>
+            <a:ext cx="816846" cy="830997"/>
+          </a:xfrm>
+          <a:prstGeom prst="rect">
+            <a:avLst/>
+          </a:prstGeom>
+          <a:noFill/>
+        </p:spPr>
+        <p:txBody>
+          <a:bodyPr wrap="square" rtlCol="0">
+            <a:spAutoFit/>
+          </a:bodyPr>
+          <a:lstStyle/>
+          <a:p>
+            <a:r>
+              <a:rPr lang="en-US" sz="1200" dirty="0"/>
+              <a:t>*.</a:t>
+            </a:r>
+            <a:r>
+              <a:rPr lang="en-US" sz="1200" dirty="0" err="1"/>
+              <a:t>cpp</a:t>
+            </a:r>
+            <a:endParaRPr lang="en-US" sz="1200" dirty="0"/>
+          </a:p>
+          <a:p>
+            <a:r>
+              <a:rPr lang="en-US" sz="1200" dirty="0"/>
+              <a:t>include/</a:t>
+            </a:r>
+          </a:p>
+          <a:p>
+            <a:endParaRPr lang="en-US" sz="1200" dirty="0"/>
+          </a:p>
+          <a:p>
+            <a:endParaRPr lang="en-US" sz="1200" dirty="0"/>
+          </a:p>
+        </p:txBody>
+      </p:sp>
+      <p:cxnSp>
+        <p:nvCxnSpPr>
+          <p:cNvPr id="29" name="Straight Connector 28">
+            <a:extLst>
+              <a:ext uri="{FF2B5EF4-FFF2-40B4-BE49-F238E27FC236}">
+                <a16:creationId xmlns:a16="http://schemas.microsoft.com/office/drawing/2014/main" id="{CE9D77B4-6A69-FA47-92C7-126E885BD4E5}"/>
+              </a:ext>
+            </a:extLst>
+          </p:cNvPr>
+          <p:cNvCxnSpPr>
+            <a:cxnSpLocks/>
+          </p:cNvCxnSpPr>
+          <p:nvPr/>
+        </p:nvCxnSpPr>
+        <p:spPr>
+          <a:xfrm>
+            <a:off x="7791962" y="1869280"/>
+            <a:ext cx="0" cy="304374"/>
+          </a:xfrm>
+          <a:prstGeom prst="line">
+            <a:avLst/>
+          </a:prstGeom>
+          <a:ln w="12700">
+            <a:solidFill>
+              <a:schemeClr val="bg1">
+                <a:lumMod val="50000"/>
+              </a:schemeClr>
+            </a:solidFill>
+          </a:ln>
+        </p:spPr>
+        <p:style>
+          <a:lnRef idx="1">
+            <a:schemeClr val="accent1"/>
+          </a:lnRef>
+          <a:fillRef idx="0">
+            <a:schemeClr val="accent1"/>
+          </a:fillRef>
+          <a:effectRef idx="0">
+            <a:schemeClr val="accent1"/>
+          </a:effectRef>
+          <a:fontRef idx="minor">
+            <a:schemeClr val="tx1"/>
+          </a:fontRef>
+        </p:style>
+      </p:cxnSp>
+      <p:sp>
+        <p:nvSpPr>
+          <p:cNvPr id="31" name="TextBox 30">
+            <a:extLst>
+              <a:ext uri="{FF2B5EF4-FFF2-40B4-BE49-F238E27FC236}">
+                <a16:creationId xmlns:a16="http://schemas.microsoft.com/office/drawing/2014/main" id="{8980C299-3BE0-1C47-8993-A282C059CE48}"/>
+              </a:ext>
+            </a:extLst>
+          </p:cNvPr>
+          <p:cNvSpPr txBox="1"/>
+          <p:nvPr/>
+        </p:nvSpPr>
+        <p:spPr>
+          <a:xfrm>
+            <a:off x="7807008" y="1828119"/>
+            <a:ext cx="662909" cy="276999"/>
+          </a:xfrm>
+          <a:prstGeom prst="rect">
+            <a:avLst/>
+          </a:prstGeom>
+          <a:noFill/>
+        </p:spPr>
+        <p:txBody>
+          <a:bodyPr wrap="square" rtlCol="0">
+            <a:spAutoFit/>
+          </a:bodyPr>
+          <a:lstStyle/>
+          <a:p>
+            <a:r>
+              <a:rPr lang="en-US" sz="1200" dirty="0"/>
+              <a:t>*.h</a:t>
+            </a:r>
+          </a:p>
+        </p:txBody>
+      </p:sp>
+      <p:cxnSp>
+        <p:nvCxnSpPr>
+          <p:cNvPr id="46" name="Straight Connector 45">
+            <a:extLst>
+              <a:ext uri="{FF2B5EF4-FFF2-40B4-BE49-F238E27FC236}">
+                <a16:creationId xmlns:a16="http://schemas.microsoft.com/office/drawing/2014/main" id="{9B926A4E-5AFD-3448-8C0E-A219ED5C2AA7}"/>
+              </a:ext>
+            </a:extLst>
+          </p:cNvPr>
+          <p:cNvCxnSpPr>
+            <a:cxnSpLocks/>
+          </p:cNvCxnSpPr>
+          <p:nvPr/>
+        </p:nvCxnSpPr>
+        <p:spPr>
+          <a:xfrm>
+            <a:off x="7675002" y="2469389"/>
+            <a:ext cx="0" cy="1175805"/>
+          </a:xfrm>
+          <a:prstGeom prst="line">
+            <a:avLst/>
+          </a:prstGeom>
+          <a:ln w="12700">
+            <a:solidFill>
+              <a:schemeClr val="bg1">
+                <a:lumMod val="50000"/>
+              </a:schemeClr>
+            </a:solidFill>
+          </a:ln>
+        </p:spPr>
+        <p:style>
+          <a:lnRef idx="1">
+            <a:schemeClr val="accent1"/>
+          </a:lnRef>
+          <a:fillRef idx="0">
+            <a:schemeClr val="accent1"/>
+          </a:fillRef>
+          <a:effectRef idx="0">
+            <a:schemeClr val="accent1"/>
+          </a:effectRef>
+          <a:fontRef idx="minor">
+            <a:schemeClr val="tx1"/>
+          </a:fontRef>
+        </p:style>
+      </p:cxnSp>
+      <p:sp>
+        <p:nvSpPr>
+          <p:cNvPr id="52" name="TextBox 51">
+            <a:extLst>
+              <a:ext uri="{FF2B5EF4-FFF2-40B4-BE49-F238E27FC236}">
+                <a16:creationId xmlns:a16="http://schemas.microsoft.com/office/drawing/2014/main" id="{526230BF-6963-834C-9A48-075B42F25BF4}"/>
+              </a:ext>
+            </a:extLst>
+          </p:cNvPr>
+          <p:cNvSpPr txBox="1"/>
+          <p:nvPr/>
+        </p:nvSpPr>
+        <p:spPr>
+          <a:xfrm>
+            <a:off x="7663170" y="2450742"/>
+            <a:ext cx="1079549" cy="830997"/>
+          </a:xfrm>
+          <a:prstGeom prst="rect">
+            <a:avLst/>
+          </a:prstGeom>
+          <a:noFill/>
+        </p:spPr>
+        <p:txBody>
+          <a:bodyPr wrap="square" rtlCol="0">
+            <a:spAutoFit/>
+          </a:bodyPr>
+          <a:lstStyle/>
+          <a:p>
+            <a:r>
+              <a:rPr lang="en-US" sz="1200" dirty="0" err="1"/>
+              <a:t>README.md</a:t>
+            </a:r>
+            <a:endParaRPr lang="en-US" sz="1200" dirty="0"/>
+          </a:p>
+          <a:p>
+            <a:r>
+              <a:rPr lang="en-US" sz="1200" dirty="0"/>
+              <a:t>…</a:t>
+            </a:r>
+          </a:p>
+          <a:p>
+            <a:r>
+              <a:rPr lang="en-US" sz="1200" dirty="0" err="1"/>
+              <a:t>setup.py</a:t>
+            </a:r>
+            <a:endParaRPr lang="en-US" sz="1200" dirty="0"/>
+          </a:p>
+          <a:p>
+            <a:r>
+              <a:rPr lang="en-US" sz="1200" dirty="0"/>
+              <a:t>gl0learn/</a:t>
+            </a:r>
+          </a:p>
+        </p:txBody>
+      </p:sp>
+      <p:cxnSp>
+        <p:nvCxnSpPr>
+          <p:cNvPr id="54" name="Straight Connector 53">
+            <a:extLst>
+              <a:ext uri="{FF2B5EF4-FFF2-40B4-BE49-F238E27FC236}">
+                <a16:creationId xmlns:a16="http://schemas.microsoft.com/office/drawing/2014/main" id="{5E9E27E6-73DF-0448-90E3-CED4D1FB45CC}"/>
+              </a:ext>
+            </a:extLst>
+          </p:cNvPr>
+          <p:cNvCxnSpPr>
+            <a:cxnSpLocks/>
+          </p:cNvCxnSpPr>
+          <p:nvPr/>
+        </p:nvCxnSpPr>
+        <p:spPr>
+          <a:xfrm>
+            <a:off x="7833512" y="3229214"/>
+            <a:ext cx="0" cy="415980"/>
+          </a:xfrm>
+          <a:prstGeom prst="line">
+            <a:avLst/>
+          </a:prstGeom>
+          <a:ln w="12700">
+            <a:solidFill>
+              <a:schemeClr val="bg1">
+                <a:lumMod val="50000"/>
+              </a:schemeClr>
+            </a:solidFill>
+          </a:ln>
+        </p:spPr>
+        <p:style>
+          <a:lnRef idx="1">
+            <a:schemeClr val="accent1"/>
+          </a:lnRef>
+          <a:fillRef idx="0">
+            <a:schemeClr val="accent1"/>
+          </a:fillRef>
+          <a:effectRef idx="0">
+            <a:schemeClr val="accent1"/>
+          </a:effectRef>
+          <a:fontRef idx="minor">
+            <a:schemeClr val="tx1"/>
+          </a:fontRef>
+        </p:style>
+      </p:cxnSp>
+      <p:sp>
+        <p:nvSpPr>
+          <p:cNvPr id="56" name="TextBox 55">
+            <a:extLst>
+              <a:ext uri="{FF2B5EF4-FFF2-40B4-BE49-F238E27FC236}">
+                <a16:creationId xmlns:a16="http://schemas.microsoft.com/office/drawing/2014/main" id="{60999D1B-0F0A-0D45-9267-BF38D194349A}"/>
+              </a:ext>
+            </a:extLst>
+          </p:cNvPr>
+          <p:cNvSpPr txBox="1"/>
+          <p:nvPr/>
+        </p:nvSpPr>
+        <p:spPr>
+          <a:xfrm>
+            <a:off x="7833513" y="3183529"/>
+            <a:ext cx="539358" cy="461665"/>
+          </a:xfrm>
+          <a:prstGeom prst="rect">
+            <a:avLst/>
+          </a:prstGeom>
+          <a:noFill/>
+        </p:spPr>
+        <p:txBody>
+          <a:bodyPr wrap="square" rtlCol="0">
+            <a:spAutoFit/>
+          </a:bodyPr>
+          <a:lstStyle/>
+          <a:p>
+            <a:r>
+              <a:rPr lang="en-US" sz="1200" dirty="0"/>
+              <a:t>*.</a:t>
+            </a:r>
+            <a:r>
+              <a:rPr lang="en-US" sz="1200" dirty="0" err="1"/>
+              <a:t>py</a:t>
+            </a:r>
+            <a:endParaRPr lang="en-US" sz="1200" dirty="0"/>
+          </a:p>
+          <a:p>
+            <a:r>
+              <a:rPr lang="en-US" sz="1200" dirty="0" err="1"/>
+              <a:t>src</a:t>
+            </a:r>
+            <a:r>
+              <a:rPr lang="en-US" sz="1200" dirty="0"/>
+              <a:t>/</a:t>
+            </a:r>
+          </a:p>
+        </p:txBody>
+      </p:sp>
+      <p:cxnSp>
+        <p:nvCxnSpPr>
+          <p:cNvPr id="59" name="Elbow Connector 58">
+            <a:extLst>
+              <a:ext uri="{FF2B5EF4-FFF2-40B4-BE49-F238E27FC236}">
+                <a16:creationId xmlns:a16="http://schemas.microsoft.com/office/drawing/2014/main" id="{0943F791-D2EB-5B4E-9349-04CC1212515A}"/>
+              </a:ext>
+            </a:extLst>
+          </p:cNvPr>
+          <p:cNvCxnSpPr>
+            <a:cxnSpLocks/>
+            <a:stCxn id="60" idx="6"/>
+            <a:endCxn id="62" idx="6"/>
+          </p:cNvCxnSpPr>
+          <p:nvPr/>
+        </p:nvCxnSpPr>
+        <p:spPr>
+          <a:xfrm flipH="1" flipV="1">
+            <a:off x="7953750" y="1406758"/>
+            <a:ext cx="357914" cy="2108065"/>
+          </a:xfrm>
+          <a:prstGeom prst="bentConnector3">
+            <a:avLst>
+              <a:gd name="adj1" fmla="val -354188"/>
+            </a:avLst>
+          </a:prstGeom>
+          <a:ln w="12700">
+            <a:solidFill>
+              <a:schemeClr val="bg1">
+                <a:lumMod val="50000"/>
+              </a:schemeClr>
+            </a:solidFill>
+            <a:prstDash val="lgDash"/>
+            <a:tailEnd type="triangle"/>
+          </a:ln>
+        </p:spPr>
+        <p:style>
+          <a:lnRef idx="1">
+            <a:schemeClr val="accent1"/>
+          </a:lnRef>
+          <a:fillRef idx="0">
+            <a:schemeClr val="accent1"/>
+          </a:fillRef>
+          <a:effectRef idx="0">
+            <a:schemeClr val="accent1"/>
+          </a:effectRef>
+          <a:fontRef idx="minor">
+            <a:schemeClr val="tx1"/>
+          </a:fontRef>
+        </p:style>
+      </p:cxnSp>
+      <p:sp>
+        <p:nvSpPr>
+          <p:cNvPr id="60" name="Oval 59">
+            <a:extLst>
+              <a:ext uri="{FF2B5EF4-FFF2-40B4-BE49-F238E27FC236}">
+                <a16:creationId xmlns:a16="http://schemas.microsoft.com/office/drawing/2014/main" id="{2F337FAB-272A-0C44-9D13-F0B73E0EEC65}"/>
+              </a:ext>
+            </a:extLst>
+          </p:cNvPr>
+          <p:cNvSpPr/>
+          <p:nvPr/>
+        </p:nvSpPr>
+        <p:spPr>
+          <a:xfrm>
+            <a:off x="8220224" y="3469103"/>
+            <a:ext cx="91440" cy="91440"/>
+          </a:xfrm>
+          <a:prstGeom prst="ellipse">
+            <a:avLst/>
+          </a:prstGeom>
+          <a:solidFill>
+            <a:schemeClr val="tx1"/>
+          </a:solidFill>
+          <a:ln>
+            <a:solidFill>
+              <a:schemeClr val="tx1"/>
+            </a:solidFill>
+          </a:ln>
+        </p:spPr>
+        <p:style>
+          <a:lnRef idx="2">
+            <a:schemeClr val="accent1">
+              <a:shade val="50000"/>
+            </a:schemeClr>
+          </a:lnRef>
+          <a:fillRef idx="1">
+            <a:schemeClr val="accent1"/>
+          </a:fillRef>
+          <a:effectRef idx="0">
+            <a:schemeClr val="accent1"/>
+          </a:effectRef>
+          <a:fontRef idx="minor">
+            <a:schemeClr val="lt1"/>
+          </a:fontRef>
+        </p:style>
+        <p:txBody>
+          <a:bodyPr rtlCol="0" anchor="ctr"/>
+          <a:lstStyle/>
+          <a:p>
+            <a:pPr algn="ctr"/>
             <a:endParaRPr lang="en-US"/>
           </a:p>
         </p:txBody>
       </p:sp>
       <p:sp>
         <p:nvSpPr>
-          <p:cNvPr id="3" name="Content Placeholder 2">
-            <a:extLst>
-              <a:ext uri="{FF2B5EF4-FFF2-40B4-BE49-F238E27FC236}">
-                <a16:creationId xmlns:a16="http://schemas.microsoft.com/office/drawing/2014/main" id="{3081E309-55D3-374D-A5A4-B831359C9711}"/>
-              </a:ext>
-            </a:extLst>
-          </p:cNvPr>
-          <p:cNvSpPr>
-            <a:spLocks noGrp="1"/>
-          </p:cNvSpPr>
-          <p:nvPr>
-            <p:ph idx="1"/>
-          </p:nvPr>
-        </p:nvSpPr>
-        <p:spPr/>
-        <p:txBody>
-          <a:bodyPr/>
-          <a:lstStyle/>
-          <a:p>
+          <p:cNvPr id="62" name="Oval 61">
+            <a:extLst>
+              <a:ext uri="{FF2B5EF4-FFF2-40B4-BE49-F238E27FC236}">
+                <a16:creationId xmlns:a16="http://schemas.microsoft.com/office/drawing/2014/main" id="{23ABC0C0-BF4A-9D45-9A2C-56AEA03671FF}"/>
+              </a:ext>
+            </a:extLst>
+          </p:cNvPr>
+          <p:cNvSpPr/>
+          <p:nvPr/>
+        </p:nvSpPr>
+        <p:spPr>
+          <a:xfrm>
+            <a:off x="7862310" y="1361038"/>
+            <a:ext cx="91440" cy="91440"/>
+          </a:xfrm>
+          <a:prstGeom prst="ellipse">
+            <a:avLst/>
+          </a:prstGeom>
+          <a:solidFill>
+            <a:schemeClr val="tx1"/>
+          </a:solidFill>
+          <a:ln>
+            <a:solidFill>
+              <a:schemeClr val="tx1"/>
+            </a:solidFill>
+          </a:ln>
+        </p:spPr>
+        <p:style>
+          <a:lnRef idx="2">
+            <a:schemeClr val="accent1">
+              <a:shade val="50000"/>
+            </a:schemeClr>
+          </a:lnRef>
+          <a:fillRef idx="1">
+            <a:schemeClr val="accent1"/>
+          </a:fillRef>
+          <a:effectRef idx="0">
+            <a:schemeClr val="accent1"/>
+          </a:effectRef>
+          <a:fontRef idx="minor">
+            <a:schemeClr val="lt1"/>
+          </a:fontRef>
+        </p:style>
+        <p:txBody>
+          <a:bodyPr rtlCol="0" anchor="ctr"/>
+          <a:lstStyle/>
+          <a:p>
+            <a:pPr algn="ctr"/>
             <a:endParaRPr lang="en-US"/>
+          </a:p>
+        </p:txBody>
+      </p:sp>
+      <p:sp>
+        <p:nvSpPr>
+          <p:cNvPr id="67" name="Rounded Rectangle 66">
+            <a:extLst>
+              <a:ext uri="{FF2B5EF4-FFF2-40B4-BE49-F238E27FC236}">
+                <a16:creationId xmlns:a16="http://schemas.microsoft.com/office/drawing/2014/main" id="{9A139994-3337-6540-86D9-0E1DC604FD48}"/>
+              </a:ext>
+            </a:extLst>
+          </p:cNvPr>
+          <p:cNvSpPr/>
+          <p:nvPr/>
+        </p:nvSpPr>
+        <p:spPr>
+          <a:xfrm>
+            <a:off x="8602243" y="3428249"/>
+            <a:ext cx="655361" cy="173148"/>
+          </a:xfrm>
+          <a:prstGeom prst="roundRect">
+            <a:avLst/>
+          </a:prstGeom>
+          <a:solidFill>
+            <a:schemeClr val="bg2"/>
+          </a:solidFill>
+          <a:ln>
+            <a:solidFill>
+              <a:schemeClr val="bg1">
+                <a:lumMod val="50000"/>
+              </a:schemeClr>
+            </a:solidFill>
+          </a:ln>
+        </p:spPr>
+        <p:style>
+          <a:lnRef idx="2">
+            <a:schemeClr val="accent1">
+              <a:shade val="50000"/>
+            </a:schemeClr>
+          </a:lnRef>
+          <a:fillRef idx="1">
+            <a:schemeClr val="accent1"/>
+          </a:fillRef>
+          <a:effectRef idx="0">
+            <a:schemeClr val="accent1"/>
+          </a:effectRef>
+          <a:fontRef idx="minor">
+            <a:schemeClr val="lt1"/>
+          </a:fontRef>
+        </p:style>
+        <p:txBody>
+          <a:bodyPr rtlCol="0" anchor="ctr"/>
+          <a:lstStyle/>
+          <a:p>
+            <a:pPr algn="ctr"/>
+            <a:r>
+              <a:rPr lang="en-US" sz="800" dirty="0" err="1">
+                <a:solidFill>
+                  <a:schemeClr val="tx1"/>
+                </a:solidFill>
+              </a:rPr>
+              <a:t>symlink</a:t>
+            </a:r>
+            <a:endParaRPr lang="en-US" sz="800" dirty="0">
+              <a:solidFill>
+                <a:schemeClr val="tx1"/>
+              </a:solidFill>
+            </a:endParaRPr>
+          </a:p>
+        </p:txBody>
+      </p:sp>
+      <p:cxnSp>
+        <p:nvCxnSpPr>
+          <p:cNvPr id="76" name="Straight Connector 75">
+            <a:extLst>
+              <a:ext uri="{FF2B5EF4-FFF2-40B4-BE49-F238E27FC236}">
+                <a16:creationId xmlns:a16="http://schemas.microsoft.com/office/drawing/2014/main" id="{275E8833-79DD-C148-BE6E-72700FF206AA}"/>
+              </a:ext>
+            </a:extLst>
+          </p:cNvPr>
+          <p:cNvCxnSpPr>
+            <a:cxnSpLocks/>
+          </p:cNvCxnSpPr>
+          <p:nvPr/>
+        </p:nvCxnSpPr>
+        <p:spPr>
+          <a:xfrm>
+            <a:off x="7665003" y="3893984"/>
+            <a:ext cx="0" cy="1910578"/>
+          </a:xfrm>
+          <a:prstGeom prst="line">
+            <a:avLst/>
+          </a:prstGeom>
+          <a:ln w="12700">
+            <a:solidFill>
+              <a:schemeClr val="bg1">
+                <a:lumMod val="50000"/>
+              </a:schemeClr>
+            </a:solidFill>
+          </a:ln>
+        </p:spPr>
+        <p:style>
+          <a:lnRef idx="1">
+            <a:schemeClr val="accent1"/>
+          </a:lnRef>
+          <a:fillRef idx="0">
+            <a:schemeClr val="accent1"/>
+          </a:fillRef>
+          <a:effectRef idx="0">
+            <a:schemeClr val="accent1"/>
+          </a:effectRef>
+          <a:fontRef idx="minor">
+            <a:schemeClr val="tx1"/>
+          </a:fontRef>
+        </p:style>
+      </p:cxnSp>
+      <p:sp>
+        <p:nvSpPr>
+          <p:cNvPr id="77" name="TextBox 76">
+            <a:extLst>
+              <a:ext uri="{FF2B5EF4-FFF2-40B4-BE49-F238E27FC236}">
+                <a16:creationId xmlns:a16="http://schemas.microsoft.com/office/drawing/2014/main" id="{E86C258E-F548-1842-A1E2-B7680E3360D7}"/>
+              </a:ext>
+            </a:extLst>
+          </p:cNvPr>
+          <p:cNvSpPr txBox="1"/>
+          <p:nvPr/>
+        </p:nvSpPr>
+        <p:spPr>
+          <a:xfrm>
+            <a:off x="7680449" y="3885897"/>
+            <a:ext cx="1079549" cy="1015663"/>
+          </a:xfrm>
+          <a:prstGeom prst="rect">
+            <a:avLst/>
+          </a:prstGeom>
+          <a:noFill/>
+        </p:spPr>
+        <p:txBody>
+          <a:bodyPr wrap="square" rtlCol="0">
+            <a:spAutoFit/>
+          </a:bodyPr>
+          <a:lstStyle/>
+          <a:p>
+            <a:r>
+              <a:rPr lang="en-US" sz="1200" dirty="0" err="1"/>
+              <a:t>README.md</a:t>
+            </a:r>
+            <a:endParaRPr lang="en-US" sz="1200" dirty="0"/>
+          </a:p>
+          <a:p>
+            <a:r>
+              <a:rPr lang="en-US" sz="1200" dirty="0"/>
+              <a:t>…</a:t>
+            </a:r>
+          </a:p>
+          <a:p>
+            <a:r>
+              <a:rPr lang="en-US" sz="1200" dirty="0"/>
+              <a:t>DESCRIPTION</a:t>
+            </a:r>
+          </a:p>
+          <a:p>
+            <a:r>
+              <a:rPr lang="en-US" sz="1200" dirty="0"/>
+              <a:t>NAMESPACE</a:t>
+            </a:r>
+          </a:p>
+          <a:p>
+            <a:r>
+              <a:rPr lang="en-US" sz="1200" dirty="0"/>
+              <a:t>R/</a:t>
+            </a:r>
+          </a:p>
+        </p:txBody>
+      </p:sp>
+      <p:cxnSp>
+        <p:nvCxnSpPr>
+          <p:cNvPr id="80" name="Straight Connector 79">
+            <a:extLst>
+              <a:ext uri="{FF2B5EF4-FFF2-40B4-BE49-F238E27FC236}">
+                <a16:creationId xmlns:a16="http://schemas.microsoft.com/office/drawing/2014/main" id="{F5DD1202-DB3E-E346-B4F4-80788B258B5F}"/>
+              </a:ext>
+            </a:extLst>
+          </p:cNvPr>
+          <p:cNvCxnSpPr>
+            <a:cxnSpLocks/>
+          </p:cNvCxnSpPr>
+          <p:nvPr/>
+        </p:nvCxnSpPr>
+        <p:spPr>
+          <a:xfrm>
+            <a:off x="7853159" y="4865907"/>
+            <a:ext cx="0" cy="204842"/>
+          </a:xfrm>
+          <a:prstGeom prst="line">
+            <a:avLst/>
+          </a:prstGeom>
+          <a:ln w="12700">
+            <a:solidFill>
+              <a:schemeClr val="bg1">
+                <a:lumMod val="50000"/>
+              </a:schemeClr>
+            </a:solidFill>
+          </a:ln>
+        </p:spPr>
+        <p:style>
+          <a:lnRef idx="1">
+            <a:schemeClr val="accent1"/>
+          </a:lnRef>
+          <a:fillRef idx="0">
+            <a:schemeClr val="accent1"/>
+          </a:fillRef>
+          <a:effectRef idx="0">
+            <a:schemeClr val="accent1"/>
+          </a:effectRef>
+          <a:fontRef idx="minor">
+            <a:schemeClr val="tx1"/>
+          </a:fontRef>
+        </p:style>
+      </p:cxnSp>
+      <p:sp>
+        <p:nvSpPr>
+          <p:cNvPr id="83" name="TextBox 82">
+            <a:extLst>
+              <a:ext uri="{FF2B5EF4-FFF2-40B4-BE49-F238E27FC236}">
+                <a16:creationId xmlns:a16="http://schemas.microsoft.com/office/drawing/2014/main" id="{1309F273-C163-9945-B10A-DBE1354755F0}"/>
+              </a:ext>
+            </a:extLst>
+          </p:cNvPr>
+          <p:cNvSpPr txBox="1"/>
+          <p:nvPr/>
+        </p:nvSpPr>
+        <p:spPr>
+          <a:xfrm>
+            <a:off x="7864190" y="4839916"/>
+            <a:ext cx="539358" cy="276999"/>
+          </a:xfrm>
+          <a:prstGeom prst="rect">
+            <a:avLst/>
+          </a:prstGeom>
+          <a:noFill/>
+        </p:spPr>
+        <p:txBody>
+          <a:bodyPr wrap="square" rtlCol="0">
+            <a:spAutoFit/>
+          </a:bodyPr>
+          <a:lstStyle/>
+          <a:p>
+            <a:r>
+              <a:rPr lang="en-US" sz="1200" dirty="0"/>
+              <a:t>*.R</a:t>
+            </a:r>
+          </a:p>
+        </p:txBody>
+      </p:sp>
+      <p:sp>
+        <p:nvSpPr>
+          <p:cNvPr id="84" name="TextBox 83">
+            <a:extLst>
+              <a:ext uri="{FF2B5EF4-FFF2-40B4-BE49-F238E27FC236}">
+                <a16:creationId xmlns:a16="http://schemas.microsoft.com/office/drawing/2014/main" id="{72777E77-0552-E841-8146-C70681DEA67C}"/>
+              </a:ext>
+            </a:extLst>
+          </p:cNvPr>
+          <p:cNvSpPr txBox="1"/>
+          <p:nvPr/>
+        </p:nvSpPr>
+        <p:spPr>
+          <a:xfrm>
+            <a:off x="7697729" y="5022716"/>
+            <a:ext cx="1079549" cy="276999"/>
+          </a:xfrm>
+          <a:prstGeom prst="rect">
+            <a:avLst/>
+          </a:prstGeom>
+          <a:noFill/>
+        </p:spPr>
+        <p:txBody>
+          <a:bodyPr wrap="square" rtlCol="0">
+            <a:spAutoFit/>
+          </a:bodyPr>
+          <a:lstStyle/>
+          <a:p>
+            <a:r>
+              <a:rPr lang="en-US" sz="1200" dirty="0" err="1"/>
+              <a:t>src</a:t>
+            </a:r>
+            <a:r>
+              <a:rPr lang="en-US" sz="1200" dirty="0"/>
+              <a:t>/</a:t>
+            </a:r>
+          </a:p>
+        </p:txBody>
+      </p:sp>
+      <p:sp>
+        <p:nvSpPr>
+          <p:cNvPr id="87" name="Oval 86">
+            <a:extLst>
+              <a:ext uri="{FF2B5EF4-FFF2-40B4-BE49-F238E27FC236}">
+                <a16:creationId xmlns:a16="http://schemas.microsoft.com/office/drawing/2014/main" id="{999F02F5-1ED4-7442-AC45-05054D24BC19}"/>
+              </a:ext>
+            </a:extLst>
+          </p:cNvPr>
+          <p:cNvSpPr/>
+          <p:nvPr/>
+        </p:nvSpPr>
+        <p:spPr>
+          <a:xfrm>
+            <a:off x="8221423" y="5676856"/>
+            <a:ext cx="91440" cy="91440"/>
+          </a:xfrm>
+          <a:prstGeom prst="ellipse">
+            <a:avLst/>
+          </a:prstGeom>
+          <a:solidFill>
+            <a:schemeClr val="tx1"/>
+          </a:solidFill>
+          <a:ln>
+            <a:solidFill>
+              <a:schemeClr val="tx1"/>
+            </a:solidFill>
+          </a:ln>
+        </p:spPr>
+        <p:style>
+          <a:lnRef idx="2">
+            <a:schemeClr val="accent1">
+              <a:shade val="50000"/>
+            </a:schemeClr>
+          </a:lnRef>
+          <a:fillRef idx="1">
+            <a:schemeClr val="accent1"/>
+          </a:fillRef>
+          <a:effectRef idx="0">
+            <a:schemeClr val="accent1"/>
+          </a:effectRef>
+          <a:fontRef idx="minor">
+            <a:schemeClr val="lt1"/>
+          </a:fontRef>
+        </p:style>
+        <p:txBody>
+          <a:bodyPr rtlCol="0" anchor="ctr"/>
+          <a:lstStyle/>
+          <a:p>
+            <a:pPr algn="ctr"/>
+            <a:endParaRPr lang="en-US"/>
+          </a:p>
+        </p:txBody>
+      </p:sp>
+      <p:cxnSp>
+        <p:nvCxnSpPr>
+          <p:cNvPr id="88" name="Straight Connector 87">
+            <a:extLst>
+              <a:ext uri="{FF2B5EF4-FFF2-40B4-BE49-F238E27FC236}">
+                <a16:creationId xmlns:a16="http://schemas.microsoft.com/office/drawing/2014/main" id="{963B514D-1F7A-324C-B804-4487999216BD}"/>
+              </a:ext>
+            </a:extLst>
+          </p:cNvPr>
+          <p:cNvCxnSpPr>
+            <a:cxnSpLocks/>
+          </p:cNvCxnSpPr>
+          <p:nvPr/>
+        </p:nvCxnSpPr>
+        <p:spPr>
+          <a:xfrm flipH="1">
+            <a:off x="7861576" y="5247019"/>
+            <a:ext cx="1216" cy="557543"/>
+          </a:xfrm>
+          <a:prstGeom prst="line">
+            <a:avLst/>
+          </a:prstGeom>
+          <a:ln w="12700">
+            <a:solidFill>
+              <a:schemeClr val="bg1">
+                <a:lumMod val="50000"/>
+              </a:schemeClr>
+            </a:solidFill>
+          </a:ln>
+        </p:spPr>
+        <p:style>
+          <a:lnRef idx="1">
+            <a:schemeClr val="accent1"/>
+          </a:lnRef>
+          <a:fillRef idx="0">
+            <a:schemeClr val="accent1"/>
+          </a:fillRef>
+          <a:effectRef idx="0">
+            <a:schemeClr val="accent1"/>
+          </a:effectRef>
+          <a:fontRef idx="minor">
+            <a:schemeClr val="tx1"/>
+          </a:fontRef>
+        </p:style>
+      </p:cxnSp>
+      <p:cxnSp>
+        <p:nvCxnSpPr>
+          <p:cNvPr id="94" name="Elbow Connector 93">
+            <a:extLst>
+              <a:ext uri="{FF2B5EF4-FFF2-40B4-BE49-F238E27FC236}">
+                <a16:creationId xmlns:a16="http://schemas.microsoft.com/office/drawing/2014/main" id="{5971EB84-3446-EC4D-8B39-49EC144667D6}"/>
+              </a:ext>
+            </a:extLst>
+          </p:cNvPr>
+          <p:cNvCxnSpPr>
+            <a:cxnSpLocks/>
+            <a:stCxn id="87" idx="6"/>
+            <a:endCxn id="62" idx="6"/>
+          </p:cNvCxnSpPr>
+          <p:nvPr/>
+        </p:nvCxnSpPr>
+        <p:spPr>
+          <a:xfrm flipH="1" flipV="1">
+            <a:off x="7953750" y="1406758"/>
+            <a:ext cx="359113" cy="4315818"/>
+          </a:xfrm>
+          <a:prstGeom prst="bentConnector3">
+            <a:avLst>
+              <a:gd name="adj1" fmla="val -569054"/>
+            </a:avLst>
+          </a:prstGeom>
+          <a:ln w="12700">
+            <a:solidFill>
+              <a:schemeClr val="bg1">
+                <a:lumMod val="50000"/>
+              </a:schemeClr>
+            </a:solidFill>
+            <a:prstDash val="lgDash"/>
+            <a:tailEnd type="triangle"/>
+          </a:ln>
+        </p:spPr>
+        <p:style>
+          <a:lnRef idx="1">
+            <a:schemeClr val="accent1"/>
+          </a:lnRef>
+          <a:fillRef idx="0">
+            <a:schemeClr val="accent1"/>
+          </a:fillRef>
+          <a:effectRef idx="0">
+            <a:schemeClr val="accent1"/>
+          </a:effectRef>
+          <a:fontRef idx="minor">
+            <a:schemeClr val="tx1"/>
+          </a:fontRef>
+        </p:style>
+      </p:cxnSp>
+      <p:sp>
+        <p:nvSpPr>
+          <p:cNvPr id="95" name="Rounded Rectangle 94">
+            <a:extLst>
+              <a:ext uri="{FF2B5EF4-FFF2-40B4-BE49-F238E27FC236}">
+                <a16:creationId xmlns:a16="http://schemas.microsoft.com/office/drawing/2014/main" id="{C63E5A5F-C54A-4748-8C12-0A06F3312EB1}"/>
+              </a:ext>
+            </a:extLst>
+          </p:cNvPr>
+          <p:cNvSpPr/>
+          <p:nvPr/>
+        </p:nvSpPr>
+        <p:spPr>
+          <a:xfrm>
+            <a:off x="9148628" y="5631414"/>
+            <a:ext cx="655361" cy="173148"/>
+          </a:xfrm>
+          <a:prstGeom prst="roundRect">
+            <a:avLst/>
+          </a:prstGeom>
+          <a:solidFill>
+            <a:schemeClr val="bg2"/>
+          </a:solidFill>
+          <a:ln>
+            <a:solidFill>
+              <a:schemeClr val="bg1">
+                <a:lumMod val="50000"/>
+              </a:schemeClr>
+            </a:solidFill>
+          </a:ln>
+        </p:spPr>
+        <p:style>
+          <a:lnRef idx="2">
+            <a:schemeClr val="accent1">
+              <a:shade val="50000"/>
+            </a:schemeClr>
+          </a:lnRef>
+          <a:fillRef idx="1">
+            <a:schemeClr val="accent1"/>
+          </a:fillRef>
+          <a:effectRef idx="0">
+            <a:schemeClr val="accent1"/>
+          </a:effectRef>
+          <a:fontRef idx="minor">
+            <a:schemeClr val="lt1"/>
+          </a:fontRef>
+        </p:style>
+        <p:txBody>
+          <a:bodyPr rtlCol="0" anchor="ctr"/>
+          <a:lstStyle/>
+          <a:p>
+            <a:pPr algn="ctr"/>
+            <a:r>
+              <a:rPr lang="en-US" sz="800" dirty="0" err="1">
+                <a:solidFill>
+                  <a:schemeClr val="tx1"/>
+                </a:solidFill>
+              </a:rPr>
+              <a:t>symlink</a:t>
+            </a:r>
+            <a:endParaRPr lang="en-US" sz="800" dirty="0">
+              <a:solidFill>
+                <a:schemeClr val="tx1"/>
+              </a:solidFill>
+            </a:endParaRPr>
+          </a:p>
+        </p:txBody>
+      </p:sp>
+      <p:sp>
+        <p:nvSpPr>
+          <p:cNvPr id="102" name="Right Brace 101">
+            <a:extLst>
+              <a:ext uri="{FF2B5EF4-FFF2-40B4-BE49-F238E27FC236}">
+                <a16:creationId xmlns:a16="http://schemas.microsoft.com/office/drawing/2014/main" id="{565505EA-D62B-334D-8C31-1FB8A8189E80}"/>
+              </a:ext>
+            </a:extLst>
+          </p:cNvPr>
+          <p:cNvSpPr/>
+          <p:nvPr/>
+        </p:nvSpPr>
+        <p:spPr>
+          <a:xfrm rot="10800000">
+            <a:off x="7294065" y="5152071"/>
+            <a:ext cx="251791" cy="733813"/>
+          </a:xfrm>
+          <a:prstGeom prst="rightBrace">
+            <a:avLst/>
+          </a:prstGeom>
+          <a:ln w="25400">
+            <a:solidFill>
+              <a:schemeClr val="tx1"/>
+            </a:solidFill>
+          </a:ln>
+        </p:spPr>
+        <p:style>
+          <a:lnRef idx="1">
+            <a:schemeClr val="accent1"/>
+          </a:lnRef>
+          <a:fillRef idx="0">
+            <a:schemeClr val="accent1"/>
+          </a:fillRef>
+          <a:effectRef idx="0">
+            <a:schemeClr val="accent1"/>
+          </a:effectRef>
+          <a:fontRef idx="minor">
+            <a:schemeClr val="tx1"/>
+          </a:fontRef>
+        </p:style>
+        <p:txBody>
+          <a:bodyPr rtlCol="0" anchor="ctr"/>
+          <a:lstStyle/>
+          <a:p>
+            <a:pPr algn="ctr"/>
+            <a:endParaRPr lang="en-US"/>
+          </a:p>
+        </p:txBody>
+      </p:sp>
+      <p:sp>
+        <p:nvSpPr>
+          <p:cNvPr id="103" name="TextBox 102">
+            <a:extLst>
+              <a:ext uri="{FF2B5EF4-FFF2-40B4-BE49-F238E27FC236}">
+                <a16:creationId xmlns:a16="http://schemas.microsoft.com/office/drawing/2014/main" id="{787FBF27-2381-7144-957F-5682527CB7F6}"/>
+              </a:ext>
+            </a:extLst>
+          </p:cNvPr>
+          <p:cNvSpPr txBox="1"/>
+          <p:nvPr/>
+        </p:nvSpPr>
+        <p:spPr>
+          <a:xfrm>
+            <a:off x="5152945" y="5108021"/>
+            <a:ext cx="2708631" cy="1200329"/>
+          </a:xfrm>
+          <a:prstGeom prst="rect">
+            <a:avLst/>
+          </a:prstGeom>
+          <a:noFill/>
+        </p:spPr>
+        <p:txBody>
+          <a:bodyPr wrap="square" rtlCol="0">
+            <a:spAutoFit/>
+          </a:bodyPr>
+          <a:lstStyle/>
+          <a:p>
+            <a:r>
+              <a:rPr lang="en-US" dirty="0"/>
+              <a:t>Enable </a:t>
+            </a:r>
+            <a:r>
+              <a:rPr lang="en-US" dirty="0" err="1"/>
+              <a:t>RcppSubdirs</a:t>
+            </a:r>
+            <a:r>
+              <a:rPr lang="en-US" dirty="0"/>
+              <a:t>:</a:t>
+            </a:r>
+          </a:p>
+          <a:p>
+            <a:r>
+              <a:rPr lang="en-US" sz="1200" dirty="0">
+                <a:hlinkClick r:id="rId3"/>
+              </a:rPr>
+              <a:t>https://github.com/r-pkg-examples/rcpp-headers-subdirs/tree/master/src</a:t>
+            </a:r>
+            <a:endParaRPr lang="en-US" sz="1200" dirty="0"/>
+          </a:p>
+          <a:p>
+            <a:endParaRPr lang="en-US" dirty="0"/>
+          </a:p>
+        </p:txBody>
+      </p:sp>
+      <p:sp>
+        <p:nvSpPr>
+          <p:cNvPr id="116" name="TextBox 115">
+            <a:extLst>
+              <a:ext uri="{FF2B5EF4-FFF2-40B4-BE49-F238E27FC236}">
+                <a16:creationId xmlns:a16="http://schemas.microsoft.com/office/drawing/2014/main" id="{8A6513F5-7D3E-544F-983D-F3BEC1551920}"/>
+              </a:ext>
+            </a:extLst>
+          </p:cNvPr>
+          <p:cNvSpPr txBox="1"/>
+          <p:nvPr/>
+        </p:nvSpPr>
+        <p:spPr>
+          <a:xfrm>
+            <a:off x="236900" y="364745"/>
+            <a:ext cx="4828357" cy="646331"/>
+          </a:xfrm>
+          <a:prstGeom prst="rect">
+            <a:avLst/>
+          </a:prstGeom>
+          <a:noFill/>
+        </p:spPr>
+        <p:txBody>
+          <a:bodyPr wrap="square" rtlCol="0">
+            <a:spAutoFit/>
+          </a:bodyPr>
+          <a:lstStyle/>
+          <a:p>
+            <a:r>
+              <a:rPr lang="en-US" b="1" dirty="0"/>
+              <a:t>Proposal for Code Efficient R + Python Bindings for C++ Package</a:t>
+            </a:r>
+          </a:p>
+        </p:txBody>
+      </p:sp>
+      <p:sp>
+        <p:nvSpPr>
+          <p:cNvPr id="44" name="TextBox 43">
+            <a:extLst>
+              <a:ext uri="{FF2B5EF4-FFF2-40B4-BE49-F238E27FC236}">
+                <a16:creationId xmlns:a16="http://schemas.microsoft.com/office/drawing/2014/main" id="{03A8F737-C3CB-7D47-A0C7-0A213A4E17BF}"/>
+              </a:ext>
+            </a:extLst>
+          </p:cNvPr>
+          <p:cNvSpPr txBox="1"/>
+          <p:nvPr/>
+        </p:nvSpPr>
+        <p:spPr>
+          <a:xfrm>
+            <a:off x="7556053" y="2187273"/>
+            <a:ext cx="755611" cy="276999"/>
+          </a:xfrm>
+          <a:prstGeom prst="rect">
+            <a:avLst/>
+          </a:prstGeom>
+          <a:noFill/>
+        </p:spPr>
+        <p:txBody>
+          <a:bodyPr wrap="square" rtlCol="0">
+            <a:spAutoFit/>
+          </a:bodyPr>
+          <a:lstStyle/>
+          <a:p>
+            <a:r>
+              <a:rPr lang="en-US" sz="1200" dirty="0"/>
+              <a:t>python/</a:t>
+            </a:r>
+          </a:p>
+        </p:txBody>
+      </p:sp>
+      <p:sp>
+        <p:nvSpPr>
+          <p:cNvPr id="47" name="TextBox 46">
+            <a:extLst>
+              <a:ext uri="{FF2B5EF4-FFF2-40B4-BE49-F238E27FC236}">
+                <a16:creationId xmlns:a16="http://schemas.microsoft.com/office/drawing/2014/main" id="{28241362-C547-644C-990A-5BD52A9FB401}"/>
+              </a:ext>
+            </a:extLst>
+          </p:cNvPr>
+          <p:cNvSpPr txBox="1"/>
+          <p:nvPr/>
+        </p:nvSpPr>
+        <p:spPr>
+          <a:xfrm>
+            <a:off x="7556053" y="3628504"/>
+            <a:ext cx="755611" cy="276999"/>
+          </a:xfrm>
+          <a:prstGeom prst="rect">
+            <a:avLst/>
+          </a:prstGeom>
+          <a:noFill/>
+        </p:spPr>
+        <p:txBody>
+          <a:bodyPr wrap="square" rtlCol="0">
+            <a:spAutoFit/>
+          </a:bodyPr>
+          <a:lstStyle/>
+          <a:p>
+            <a:r>
+              <a:rPr lang="en-US" sz="1200" dirty="0"/>
+              <a:t>R/</a:t>
+            </a:r>
           </a:p>
         </p:txBody>
       </p:sp>
     </p:spTree>
     <p:extLst>
       <p:ext uri="{BB962C8B-B14F-4D97-AF65-F5344CB8AC3E}">
-        <p14:creationId xmlns:p14="http://schemas.microsoft.com/office/powerpoint/2010/main" val="4171928462"/>
+        <p14:creationId xmlns:p14="http://schemas.microsoft.com/office/powerpoint/2010/main" val="631523798"/>
+      </p:ext>
+    </p:extLst>
+  </p:cSld>
+  <p:clrMapOvr>
+    <a:masterClrMapping/>
+  </p:clrMapOvr>
+</p:sld>
+</file>
+
+<file path=ppt/slides/slide3.xml><?xml version="1.0" encoding="utf-8"?>
+<p:sld xmlns:a="http://schemas.openxmlformats.org/drawingml/2006/main" xmlns:r="http://schemas.openxmlformats.org/officeDocument/2006/relationships" xmlns:p="http://schemas.openxmlformats.org/presentationml/2006/main">
+  <p:cSld>
+    <p:spTree>
+      <p:nvGrpSpPr>
+        <p:cNvPr id="1" name=""/>
+        <p:cNvGrpSpPr/>
+        <p:nvPr/>
+      </p:nvGrpSpPr>
+      <p:grpSpPr>
+        <a:xfrm>
+          <a:off x="0" y="0"/>
+          <a:ext cx="0" cy="0"/>
+          <a:chOff x="0" y="0"/>
+          <a:chExt cx="0" cy="0"/>
+        </a:xfrm>
+      </p:grpSpPr>
+      <p:sp>
+        <p:nvSpPr>
+          <p:cNvPr id="90" name="TextBox 89">
+            <a:extLst>
+              <a:ext uri="{FF2B5EF4-FFF2-40B4-BE49-F238E27FC236}">
+                <a16:creationId xmlns:a16="http://schemas.microsoft.com/office/drawing/2014/main" id="{14EC8D62-2D2C-F148-A123-621E4416051A}"/>
+              </a:ext>
+            </a:extLst>
+          </p:cNvPr>
+          <p:cNvSpPr txBox="1"/>
+          <p:nvPr/>
+        </p:nvSpPr>
+        <p:spPr>
+          <a:xfrm>
+            <a:off x="3633540" y="3206556"/>
+            <a:ext cx="1295348" cy="646331"/>
+          </a:xfrm>
+          <a:prstGeom prst="rect">
+            <a:avLst/>
+          </a:prstGeom>
+          <a:noFill/>
+        </p:spPr>
+        <p:txBody>
+          <a:bodyPr wrap="square" rtlCol="0">
+            <a:spAutoFit/>
+          </a:bodyPr>
+          <a:lstStyle/>
+          <a:p>
+            <a:r>
+              <a:rPr lang="en-US" sz="1200" dirty="0" err="1"/>
+              <a:t>Makevar.in</a:t>
+            </a:r>
+            <a:endParaRPr lang="en-US" sz="1200" dirty="0"/>
+          </a:p>
+          <a:p>
+            <a:r>
+              <a:rPr lang="en-US" sz="1200" dirty="0" err="1"/>
+              <a:t>RcppExport.cpp</a:t>
+            </a:r>
+            <a:endParaRPr lang="en-US" sz="1200" dirty="0"/>
+          </a:p>
+          <a:p>
+            <a:r>
+              <a:rPr lang="en-US" sz="1200" dirty="0" err="1"/>
+              <a:t>src</a:t>
+            </a:r>
+            <a:r>
+              <a:rPr lang="en-US" sz="1200" dirty="0"/>
+              <a:t>/</a:t>
+            </a:r>
+          </a:p>
+        </p:txBody>
+      </p:sp>
+      <p:grpSp>
+        <p:nvGrpSpPr>
+          <p:cNvPr id="20" name="Group 19">
+            <a:extLst>
+              <a:ext uri="{FF2B5EF4-FFF2-40B4-BE49-F238E27FC236}">
+                <a16:creationId xmlns:a16="http://schemas.microsoft.com/office/drawing/2014/main" id="{B2804BD6-6FB1-E641-BC14-D01FAD9E2E51}"/>
+              </a:ext>
+            </a:extLst>
+          </p:cNvPr>
+          <p:cNvGrpSpPr/>
+          <p:nvPr/>
+        </p:nvGrpSpPr>
+        <p:grpSpPr>
+          <a:xfrm>
+            <a:off x="8205313" y="3144434"/>
+            <a:ext cx="1926318" cy="456571"/>
+            <a:chOff x="835736" y="897607"/>
+            <a:chExt cx="1926318" cy="456572"/>
+          </a:xfrm>
+        </p:grpSpPr>
+        <p:sp>
+          <p:nvSpPr>
+            <p:cNvPr id="5" name="Rounded Rectangle 4">
+              <a:extLst>
+                <a:ext uri="{FF2B5EF4-FFF2-40B4-BE49-F238E27FC236}">
+                  <a16:creationId xmlns:a16="http://schemas.microsoft.com/office/drawing/2014/main" id="{86D9DBC8-DDFF-D741-A377-E0E7F3031973}"/>
+                </a:ext>
+              </a:extLst>
+            </p:cNvPr>
+            <p:cNvSpPr/>
+            <p:nvPr/>
+          </p:nvSpPr>
+          <p:spPr>
+            <a:xfrm>
+              <a:off x="835736" y="897607"/>
+              <a:ext cx="1834829" cy="456572"/>
+            </a:xfrm>
+            <a:prstGeom prst="roundRect">
+              <a:avLst>
+                <a:gd name="adj" fmla="val 8975"/>
+              </a:avLst>
+            </a:prstGeom>
+            <a:solidFill>
+              <a:schemeClr val="bg2"/>
+            </a:solidFill>
+            <a:ln>
+              <a:solidFill>
+                <a:schemeClr val="bg1">
+                  <a:lumMod val="50000"/>
+                </a:schemeClr>
+              </a:solidFill>
+            </a:ln>
+          </p:spPr>
+          <p:style>
+            <a:lnRef idx="2">
+              <a:schemeClr val="accent1">
+                <a:shade val="50000"/>
+              </a:schemeClr>
+            </a:lnRef>
+            <a:fillRef idx="1">
+              <a:schemeClr val="accent1"/>
+            </a:fillRef>
+            <a:effectRef idx="0">
+              <a:schemeClr val="accent1"/>
+            </a:effectRef>
+            <a:fontRef idx="minor">
+              <a:schemeClr val="lt1"/>
+            </a:fontRef>
+          </p:style>
+          <p:txBody>
+            <a:bodyPr lIns="91440" rIns="91440" rtlCol="0" anchor="ctr"/>
+            <a:lstStyle/>
+            <a:p>
+              <a:pPr algn="ctr"/>
+              <a:endParaRPr lang="en-US" sz="1801" dirty="0">
+                <a:solidFill>
+                  <a:schemeClr val="tx1"/>
+                </a:solidFill>
+              </a:endParaRPr>
+            </a:p>
+          </p:txBody>
+        </p:sp>
+        <p:pic>
+          <p:nvPicPr>
+            <p:cNvPr id="7" name="Picture 6">
+              <a:extLst>
+                <a:ext uri="{FF2B5EF4-FFF2-40B4-BE49-F238E27FC236}">
+                  <a16:creationId xmlns:a16="http://schemas.microsoft.com/office/drawing/2014/main" id="{6CA18A26-24E0-B047-B8A5-CF884057394D}"/>
+                </a:ext>
+              </a:extLst>
+            </p:cNvPr>
+            <p:cNvPicPr>
+              <a:picLocks noChangeAspect="1"/>
+            </p:cNvPicPr>
+            <p:nvPr/>
+          </p:nvPicPr>
+          <p:blipFill>
+            <a:blip r:embed="rId2"/>
+            <a:stretch>
+              <a:fillRect/>
+            </a:stretch>
+          </p:blipFill>
+          <p:spPr>
+            <a:xfrm>
+              <a:off x="989574" y="952541"/>
+              <a:ext cx="346702" cy="346702"/>
+            </a:xfrm>
+            <a:prstGeom prst="rect">
+              <a:avLst/>
+            </a:prstGeom>
+          </p:spPr>
+        </p:pic>
+        <p:sp>
+          <p:nvSpPr>
+            <p:cNvPr id="8" name="TextBox 7">
+              <a:extLst>
+                <a:ext uri="{FF2B5EF4-FFF2-40B4-BE49-F238E27FC236}">
+                  <a16:creationId xmlns:a16="http://schemas.microsoft.com/office/drawing/2014/main" id="{ECDCDB54-D3E6-2E4E-8125-EF784C571B75}"/>
+                </a:ext>
+              </a:extLst>
+            </p:cNvPr>
+            <p:cNvSpPr txBox="1"/>
+            <p:nvPr/>
+          </p:nvSpPr>
+          <p:spPr>
+            <a:xfrm>
+              <a:off x="1424692" y="984436"/>
+              <a:ext cx="1337362" cy="277000"/>
+            </a:xfrm>
+            <a:prstGeom prst="rect">
+              <a:avLst/>
+            </a:prstGeom>
+            <a:noFill/>
+          </p:spPr>
+          <p:txBody>
+            <a:bodyPr wrap="square" rtlCol="0">
+              <a:spAutoFit/>
+            </a:bodyPr>
+            <a:lstStyle/>
+            <a:p>
+              <a:r>
+                <a:rPr lang="en-US" sz="1200" dirty="0"/>
+                <a:t>sample-bindings</a:t>
+              </a:r>
+            </a:p>
+          </p:txBody>
+        </p:sp>
+      </p:grpSp>
+      <p:sp>
+        <p:nvSpPr>
+          <p:cNvPr id="11" name="TextBox 10">
+            <a:extLst>
+              <a:ext uri="{FF2B5EF4-FFF2-40B4-BE49-F238E27FC236}">
+                <a16:creationId xmlns:a16="http://schemas.microsoft.com/office/drawing/2014/main" id="{2E6A0149-DFC5-3B4E-A6C0-BC73F5B7A610}"/>
+              </a:ext>
+            </a:extLst>
+          </p:cNvPr>
+          <p:cNvSpPr txBox="1"/>
+          <p:nvPr/>
+        </p:nvSpPr>
+        <p:spPr>
+          <a:xfrm>
+            <a:off x="9121958" y="3599684"/>
+            <a:ext cx="1079549" cy="830997"/>
+          </a:xfrm>
+          <a:prstGeom prst="rect">
+            <a:avLst/>
+          </a:prstGeom>
+          <a:noFill/>
+        </p:spPr>
+        <p:txBody>
+          <a:bodyPr wrap="square" rtlCol="0">
+            <a:spAutoFit/>
+          </a:bodyPr>
+          <a:lstStyle/>
+          <a:p>
+            <a:r>
+              <a:rPr lang="en-US" sz="1200" dirty="0" err="1"/>
+              <a:t>README.md</a:t>
+            </a:r>
+            <a:endParaRPr lang="en-US" sz="1200" dirty="0"/>
+          </a:p>
+          <a:p>
+            <a:r>
+              <a:rPr lang="en-US" sz="1200" dirty="0"/>
+              <a:t>LISCENSE</a:t>
+            </a:r>
+          </a:p>
+          <a:p>
+            <a:r>
+              <a:rPr lang="en-US" sz="1200" dirty="0"/>
+              <a:t>…</a:t>
+            </a:r>
+          </a:p>
+          <a:p>
+            <a:r>
+              <a:rPr lang="en-US" sz="1200" dirty="0" err="1"/>
+              <a:t>src</a:t>
+            </a:r>
+            <a:r>
+              <a:rPr lang="en-US" sz="1200" dirty="0"/>
+              <a:t>/</a:t>
+            </a:r>
+          </a:p>
+        </p:txBody>
+      </p:sp>
+      <p:cxnSp>
+        <p:nvCxnSpPr>
+          <p:cNvPr id="23" name="Straight Connector 22">
+            <a:extLst>
+              <a:ext uri="{FF2B5EF4-FFF2-40B4-BE49-F238E27FC236}">
+                <a16:creationId xmlns:a16="http://schemas.microsoft.com/office/drawing/2014/main" id="{7634F813-9159-4B40-B65F-A70E09B9BBC5}"/>
+              </a:ext>
+            </a:extLst>
+          </p:cNvPr>
+          <p:cNvCxnSpPr>
+            <a:cxnSpLocks/>
+          </p:cNvCxnSpPr>
+          <p:nvPr/>
+        </p:nvCxnSpPr>
+        <p:spPr>
+          <a:xfrm>
+            <a:off x="9285982" y="4420336"/>
+            <a:ext cx="0" cy="649896"/>
+          </a:xfrm>
+          <a:prstGeom prst="line">
+            <a:avLst/>
+          </a:prstGeom>
+          <a:ln w="12700">
+            <a:solidFill>
+              <a:schemeClr val="bg1">
+                <a:lumMod val="50000"/>
+              </a:schemeClr>
+            </a:solidFill>
+          </a:ln>
+        </p:spPr>
+        <p:style>
+          <a:lnRef idx="1">
+            <a:schemeClr val="accent1"/>
+          </a:lnRef>
+          <a:fillRef idx="0">
+            <a:schemeClr val="accent1"/>
+          </a:fillRef>
+          <a:effectRef idx="0">
+            <a:schemeClr val="accent1"/>
+          </a:effectRef>
+          <a:fontRef idx="minor">
+            <a:schemeClr val="tx1"/>
+          </a:fontRef>
+        </p:style>
+      </p:cxnSp>
+      <p:sp>
+        <p:nvSpPr>
+          <p:cNvPr id="27" name="TextBox 26">
+            <a:extLst>
+              <a:ext uri="{FF2B5EF4-FFF2-40B4-BE49-F238E27FC236}">
+                <a16:creationId xmlns:a16="http://schemas.microsoft.com/office/drawing/2014/main" id="{90BC68C4-8610-8A44-867B-255588FDBF43}"/>
+              </a:ext>
+            </a:extLst>
+          </p:cNvPr>
+          <p:cNvSpPr txBox="1"/>
+          <p:nvPr/>
+        </p:nvSpPr>
+        <p:spPr>
+          <a:xfrm>
+            <a:off x="9275889" y="4350360"/>
+            <a:ext cx="816846" cy="830997"/>
+          </a:xfrm>
+          <a:prstGeom prst="rect">
+            <a:avLst/>
+          </a:prstGeom>
+          <a:noFill/>
+        </p:spPr>
+        <p:txBody>
+          <a:bodyPr wrap="square" rtlCol="0">
+            <a:spAutoFit/>
+          </a:bodyPr>
+          <a:lstStyle/>
+          <a:p>
+            <a:r>
+              <a:rPr lang="en-US" sz="1200" dirty="0"/>
+              <a:t>*.</a:t>
+            </a:r>
+            <a:r>
+              <a:rPr lang="en-US" sz="1200" dirty="0" err="1"/>
+              <a:t>cpp</a:t>
+            </a:r>
+            <a:endParaRPr lang="en-US" sz="1200" dirty="0"/>
+          </a:p>
+          <a:p>
+            <a:r>
+              <a:rPr lang="en-US" sz="1200" dirty="0"/>
+              <a:t>include/</a:t>
+            </a:r>
+          </a:p>
+          <a:p>
+            <a:endParaRPr lang="en-US" sz="1200" dirty="0"/>
+          </a:p>
+          <a:p>
+            <a:endParaRPr lang="en-US" sz="1200" dirty="0"/>
+          </a:p>
+        </p:txBody>
+      </p:sp>
+      <p:cxnSp>
+        <p:nvCxnSpPr>
+          <p:cNvPr id="29" name="Straight Connector 28">
+            <a:extLst>
+              <a:ext uri="{FF2B5EF4-FFF2-40B4-BE49-F238E27FC236}">
+                <a16:creationId xmlns:a16="http://schemas.microsoft.com/office/drawing/2014/main" id="{CE9D77B4-6A69-FA47-92C7-126E885BD4E5}"/>
+              </a:ext>
+            </a:extLst>
+          </p:cNvPr>
+          <p:cNvCxnSpPr>
+            <a:cxnSpLocks/>
+          </p:cNvCxnSpPr>
+          <p:nvPr/>
+        </p:nvCxnSpPr>
+        <p:spPr>
+          <a:xfrm>
+            <a:off x="9414774" y="4765858"/>
+            <a:ext cx="0" cy="304374"/>
+          </a:xfrm>
+          <a:prstGeom prst="line">
+            <a:avLst/>
+          </a:prstGeom>
+          <a:ln w="12700">
+            <a:solidFill>
+              <a:schemeClr val="bg1">
+                <a:lumMod val="50000"/>
+              </a:schemeClr>
+            </a:solidFill>
+          </a:ln>
+        </p:spPr>
+        <p:style>
+          <a:lnRef idx="1">
+            <a:schemeClr val="accent1"/>
+          </a:lnRef>
+          <a:fillRef idx="0">
+            <a:schemeClr val="accent1"/>
+          </a:fillRef>
+          <a:effectRef idx="0">
+            <a:schemeClr val="accent1"/>
+          </a:effectRef>
+          <a:fontRef idx="minor">
+            <a:schemeClr val="tx1"/>
+          </a:fontRef>
+        </p:style>
+      </p:cxnSp>
+      <p:sp>
+        <p:nvSpPr>
+          <p:cNvPr id="31" name="TextBox 30">
+            <a:extLst>
+              <a:ext uri="{FF2B5EF4-FFF2-40B4-BE49-F238E27FC236}">
+                <a16:creationId xmlns:a16="http://schemas.microsoft.com/office/drawing/2014/main" id="{8980C299-3BE0-1C47-8993-A282C059CE48}"/>
+              </a:ext>
+            </a:extLst>
+          </p:cNvPr>
+          <p:cNvSpPr txBox="1"/>
+          <p:nvPr/>
+        </p:nvSpPr>
+        <p:spPr>
+          <a:xfrm>
+            <a:off x="9429820" y="4724697"/>
+            <a:ext cx="662909" cy="276999"/>
+          </a:xfrm>
+          <a:prstGeom prst="rect">
+            <a:avLst/>
+          </a:prstGeom>
+          <a:noFill/>
+        </p:spPr>
+        <p:txBody>
+          <a:bodyPr wrap="square" rtlCol="0">
+            <a:spAutoFit/>
+          </a:bodyPr>
+          <a:lstStyle/>
+          <a:p>
+            <a:r>
+              <a:rPr lang="en-US" sz="1200" dirty="0"/>
+              <a:t>*.h</a:t>
+            </a:r>
+          </a:p>
+        </p:txBody>
+      </p:sp>
+      <p:grpSp>
+        <p:nvGrpSpPr>
+          <p:cNvPr id="40" name="Group 39">
+            <a:extLst>
+              <a:ext uri="{FF2B5EF4-FFF2-40B4-BE49-F238E27FC236}">
+                <a16:creationId xmlns:a16="http://schemas.microsoft.com/office/drawing/2014/main" id="{8E46A376-7975-6845-A536-A9D537CECA40}"/>
+              </a:ext>
+            </a:extLst>
+          </p:cNvPr>
+          <p:cNvGrpSpPr/>
+          <p:nvPr/>
+        </p:nvGrpSpPr>
+        <p:grpSpPr>
+          <a:xfrm>
+            <a:off x="7012460" y="1432425"/>
+            <a:ext cx="2428686" cy="456571"/>
+            <a:chOff x="835736" y="897607"/>
+            <a:chExt cx="2428686" cy="456572"/>
+          </a:xfrm>
+        </p:grpSpPr>
+        <p:sp>
+          <p:nvSpPr>
+            <p:cNvPr id="41" name="Rounded Rectangle 40">
+              <a:extLst>
+                <a:ext uri="{FF2B5EF4-FFF2-40B4-BE49-F238E27FC236}">
+                  <a16:creationId xmlns:a16="http://schemas.microsoft.com/office/drawing/2014/main" id="{E7D27B94-47BE-C64D-A65A-B6448FE73AAE}"/>
+                </a:ext>
+              </a:extLst>
+            </p:cNvPr>
+            <p:cNvSpPr/>
+            <p:nvPr/>
+          </p:nvSpPr>
+          <p:spPr>
+            <a:xfrm>
+              <a:off x="835736" y="897607"/>
+              <a:ext cx="2068685" cy="456572"/>
+            </a:xfrm>
+            <a:prstGeom prst="roundRect">
+              <a:avLst>
+                <a:gd name="adj" fmla="val 8975"/>
+              </a:avLst>
+            </a:prstGeom>
+            <a:solidFill>
+              <a:schemeClr val="bg2"/>
+            </a:solidFill>
+            <a:ln>
+              <a:solidFill>
+                <a:schemeClr val="bg1">
+                  <a:lumMod val="50000"/>
+                </a:schemeClr>
+              </a:solidFill>
+            </a:ln>
+          </p:spPr>
+          <p:style>
+            <a:lnRef idx="2">
+              <a:schemeClr val="accent1">
+                <a:shade val="50000"/>
+              </a:schemeClr>
+            </a:lnRef>
+            <a:fillRef idx="1">
+              <a:schemeClr val="accent1"/>
+            </a:fillRef>
+            <a:effectRef idx="0">
+              <a:schemeClr val="accent1"/>
+            </a:effectRef>
+            <a:fontRef idx="minor">
+              <a:schemeClr val="lt1"/>
+            </a:fontRef>
+          </p:style>
+          <p:txBody>
+            <a:bodyPr lIns="91440" rIns="91440" rtlCol="0" anchor="ctr"/>
+            <a:lstStyle/>
+            <a:p>
+              <a:pPr algn="ctr"/>
+              <a:endParaRPr lang="en-US" sz="1801" dirty="0">
+                <a:solidFill>
+                  <a:schemeClr val="tx1"/>
+                </a:solidFill>
+              </a:endParaRPr>
+            </a:p>
+          </p:txBody>
+        </p:sp>
+        <p:pic>
+          <p:nvPicPr>
+            <p:cNvPr id="42" name="Picture 41">
+              <a:extLst>
+                <a:ext uri="{FF2B5EF4-FFF2-40B4-BE49-F238E27FC236}">
+                  <a16:creationId xmlns:a16="http://schemas.microsoft.com/office/drawing/2014/main" id="{2BE161BB-C701-7F4E-87CF-4889528A8A36}"/>
+                </a:ext>
+              </a:extLst>
+            </p:cNvPr>
+            <p:cNvPicPr>
+              <a:picLocks noChangeAspect="1"/>
+            </p:cNvPicPr>
+            <p:nvPr/>
+          </p:nvPicPr>
+          <p:blipFill>
+            <a:blip r:embed="rId2"/>
+            <a:stretch>
+              <a:fillRect/>
+            </a:stretch>
+          </p:blipFill>
+          <p:spPr>
+            <a:xfrm>
+              <a:off x="989574" y="952541"/>
+              <a:ext cx="346702" cy="346702"/>
+            </a:xfrm>
+            <a:prstGeom prst="rect">
+              <a:avLst/>
+            </a:prstGeom>
+          </p:spPr>
+        </p:pic>
+        <p:sp>
+          <p:nvSpPr>
+            <p:cNvPr id="43" name="TextBox 42">
+              <a:extLst>
+                <a:ext uri="{FF2B5EF4-FFF2-40B4-BE49-F238E27FC236}">
+                  <a16:creationId xmlns:a16="http://schemas.microsoft.com/office/drawing/2014/main" id="{5956F91C-D50B-114A-B7D2-90324D763173}"/>
+                </a:ext>
+              </a:extLst>
+            </p:cNvPr>
+            <p:cNvSpPr txBox="1"/>
+            <p:nvPr/>
+          </p:nvSpPr>
+          <p:spPr>
+            <a:xfrm>
+              <a:off x="1424691" y="984436"/>
+              <a:ext cx="1839731" cy="277000"/>
+            </a:xfrm>
+            <a:prstGeom prst="rect">
+              <a:avLst/>
+            </a:prstGeom>
+            <a:noFill/>
+          </p:spPr>
+          <p:txBody>
+            <a:bodyPr wrap="square" rtlCol="0">
+              <a:spAutoFit/>
+            </a:bodyPr>
+            <a:lstStyle/>
+            <a:p>
+              <a:r>
+                <a:rPr lang="en-US" sz="1200" dirty="0"/>
+                <a:t>sample-bindings-</a:t>
+              </a:r>
+              <a:r>
+                <a:rPr lang="en-US" sz="1200" dirty="0" err="1"/>
+                <a:t>py</a:t>
+              </a:r>
+              <a:endParaRPr lang="en-US" sz="1200" dirty="0"/>
+            </a:p>
+          </p:txBody>
+        </p:sp>
+      </p:grpSp>
+      <p:cxnSp>
+        <p:nvCxnSpPr>
+          <p:cNvPr id="46" name="Straight Connector 45">
+            <a:extLst>
+              <a:ext uri="{FF2B5EF4-FFF2-40B4-BE49-F238E27FC236}">
+                <a16:creationId xmlns:a16="http://schemas.microsoft.com/office/drawing/2014/main" id="{9B926A4E-5AFD-3448-8C0E-A219ED5C2AA7}"/>
+              </a:ext>
+            </a:extLst>
+          </p:cNvPr>
+          <p:cNvCxnSpPr>
+            <a:cxnSpLocks/>
+            <a:stCxn id="41" idx="2"/>
+          </p:cNvCxnSpPr>
+          <p:nvPr/>
+        </p:nvCxnSpPr>
+        <p:spPr>
+          <a:xfrm>
+            <a:off x="8046803" y="1888996"/>
+            <a:ext cx="0" cy="3181236"/>
+          </a:xfrm>
+          <a:prstGeom prst="line">
+            <a:avLst/>
+          </a:prstGeom>
+          <a:ln w="12700">
+            <a:solidFill>
+              <a:schemeClr val="bg1">
+                <a:lumMod val="50000"/>
+              </a:schemeClr>
+            </a:solidFill>
+          </a:ln>
+        </p:spPr>
+        <p:style>
+          <a:lnRef idx="1">
+            <a:schemeClr val="accent1"/>
+          </a:lnRef>
+          <a:fillRef idx="0">
+            <a:schemeClr val="accent1"/>
+          </a:fillRef>
+          <a:effectRef idx="0">
+            <a:schemeClr val="accent1"/>
+          </a:effectRef>
+          <a:fontRef idx="minor">
+            <a:schemeClr val="tx1"/>
+          </a:fontRef>
+        </p:style>
+      </p:cxnSp>
+      <p:sp>
+        <p:nvSpPr>
+          <p:cNvPr id="52" name="TextBox 51">
+            <a:extLst>
+              <a:ext uri="{FF2B5EF4-FFF2-40B4-BE49-F238E27FC236}">
+                <a16:creationId xmlns:a16="http://schemas.microsoft.com/office/drawing/2014/main" id="{526230BF-6963-834C-9A48-075B42F25BF4}"/>
+              </a:ext>
+            </a:extLst>
+          </p:cNvPr>
+          <p:cNvSpPr txBox="1"/>
+          <p:nvPr/>
+        </p:nvSpPr>
+        <p:spPr>
+          <a:xfrm>
+            <a:off x="8034971" y="1870349"/>
+            <a:ext cx="1079549" cy="830997"/>
+          </a:xfrm>
+          <a:prstGeom prst="rect">
+            <a:avLst/>
+          </a:prstGeom>
+          <a:noFill/>
+        </p:spPr>
+        <p:txBody>
+          <a:bodyPr wrap="square" rtlCol="0">
+            <a:spAutoFit/>
+          </a:bodyPr>
+          <a:lstStyle/>
+          <a:p>
+            <a:r>
+              <a:rPr lang="en-US" sz="1200" dirty="0" err="1"/>
+              <a:t>README.md</a:t>
+            </a:r>
+            <a:endParaRPr lang="en-US" sz="1200" dirty="0"/>
+          </a:p>
+          <a:p>
+            <a:r>
+              <a:rPr lang="en-US" sz="1200" dirty="0"/>
+              <a:t>…</a:t>
+            </a:r>
+          </a:p>
+          <a:p>
+            <a:r>
+              <a:rPr lang="en-US" sz="1200" dirty="0" err="1"/>
+              <a:t>setup.py</a:t>
+            </a:r>
+            <a:endParaRPr lang="en-US" sz="1200" dirty="0"/>
+          </a:p>
+          <a:p>
+            <a:r>
+              <a:rPr lang="en-US" sz="1200" dirty="0"/>
+              <a:t>gl0learn/</a:t>
+            </a:r>
+          </a:p>
+        </p:txBody>
+      </p:sp>
+      <p:cxnSp>
+        <p:nvCxnSpPr>
+          <p:cNvPr id="54" name="Straight Connector 53">
+            <a:extLst>
+              <a:ext uri="{FF2B5EF4-FFF2-40B4-BE49-F238E27FC236}">
+                <a16:creationId xmlns:a16="http://schemas.microsoft.com/office/drawing/2014/main" id="{5E9E27E6-73DF-0448-90E3-CED4D1FB45CC}"/>
+              </a:ext>
+            </a:extLst>
+          </p:cNvPr>
+          <p:cNvCxnSpPr>
+            <a:cxnSpLocks/>
+          </p:cNvCxnSpPr>
+          <p:nvPr/>
+        </p:nvCxnSpPr>
+        <p:spPr>
+          <a:xfrm>
+            <a:off x="8205313" y="2648821"/>
+            <a:ext cx="0" cy="415980"/>
+          </a:xfrm>
+          <a:prstGeom prst="line">
+            <a:avLst/>
+          </a:prstGeom>
+          <a:ln w="12700">
+            <a:solidFill>
+              <a:schemeClr val="bg1">
+                <a:lumMod val="50000"/>
+              </a:schemeClr>
+            </a:solidFill>
+          </a:ln>
+        </p:spPr>
+        <p:style>
+          <a:lnRef idx="1">
+            <a:schemeClr val="accent1"/>
+          </a:lnRef>
+          <a:fillRef idx="0">
+            <a:schemeClr val="accent1"/>
+          </a:fillRef>
+          <a:effectRef idx="0">
+            <a:schemeClr val="accent1"/>
+          </a:effectRef>
+          <a:fontRef idx="minor">
+            <a:schemeClr val="tx1"/>
+          </a:fontRef>
+        </p:style>
+      </p:cxnSp>
+      <p:sp>
+        <p:nvSpPr>
+          <p:cNvPr id="56" name="TextBox 55">
+            <a:extLst>
+              <a:ext uri="{FF2B5EF4-FFF2-40B4-BE49-F238E27FC236}">
+                <a16:creationId xmlns:a16="http://schemas.microsoft.com/office/drawing/2014/main" id="{60999D1B-0F0A-0D45-9267-BF38D194349A}"/>
+              </a:ext>
+            </a:extLst>
+          </p:cNvPr>
+          <p:cNvSpPr txBox="1"/>
+          <p:nvPr/>
+        </p:nvSpPr>
+        <p:spPr>
+          <a:xfrm>
+            <a:off x="8205314" y="2603136"/>
+            <a:ext cx="539358" cy="461665"/>
+          </a:xfrm>
+          <a:prstGeom prst="rect">
+            <a:avLst/>
+          </a:prstGeom>
+          <a:noFill/>
+        </p:spPr>
+        <p:txBody>
+          <a:bodyPr wrap="square" rtlCol="0">
+            <a:spAutoFit/>
+          </a:bodyPr>
+          <a:lstStyle/>
+          <a:p>
+            <a:r>
+              <a:rPr lang="en-US" sz="1200" dirty="0"/>
+              <a:t>*.</a:t>
+            </a:r>
+            <a:r>
+              <a:rPr lang="en-US" sz="1200" dirty="0" err="1"/>
+              <a:t>py</a:t>
+            </a:r>
+            <a:endParaRPr lang="en-US" sz="1200" dirty="0"/>
+          </a:p>
+          <a:p>
+            <a:r>
+              <a:rPr lang="en-US" sz="1200" dirty="0" err="1"/>
+              <a:t>src</a:t>
+            </a:r>
+            <a:r>
+              <a:rPr lang="en-US" sz="1200" dirty="0"/>
+              <a:t>/</a:t>
+            </a:r>
+          </a:p>
+        </p:txBody>
+      </p:sp>
+      <p:sp>
+        <p:nvSpPr>
+          <p:cNvPr id="60" name="Oval 59">
+            <a:extLst>
+              <a:ext uri="{FF2B5EF4-FFF2-40B4-BE49-F238E27FC236}">
+                <a16:creationId xmlns:a16="http://schemas.microsoft.com/office/drawing/2014/main" id="{2F337FAB-272A-0C44-9D13-F0B73E0EEC65}"/>
+              </a:ext>
+            </a:extLst>
+          </p:cNvPr>
+          <p:cNvSpPr/>
+          <p:nvPr/>
+        </p:nvSpPr>
+        <p:spPr>
+          <a:xfrm>
+            <a:off x="8592025" y="2888710"/>
+            <a:ext cx="91440" cy="91440"/>
+          </a:xfrm>
+          <a:prstGeom prst="ellipse">
+            <a:avLst/>
+          </a:prstGeom>
+          <a:solidFill>
+            <a:schemeClr val="tx1"/>
+          </a:solidFill>
+          <a:ln>
+            <a:solidFill>
+              <a:schemeClr val="tx1"/>
+            </a:solidFill>
+          </a:ln>
+        </p:spPr>
+        <p:style>
+          <a:lnRef idx="2">
+            <a:schemeClr val="accent1">
+              <a:shade val="50000"/>
+            </a:schemeClr>
+          </a:lnRef>
+          <a:fillRef idx="1">
+            <a:schemeClr val="accent1"/>
+          </a:fillRef>
+          <a:effectRef idx="0">
+            <a:schemeClr val="accent1"/>
+          </a:effectRef>
+          <a:fontRef idx="minor">
+            <a:schemeClr val="lt1"/>
+          </a:fontRef>
+        </p:style>
+        <p:txBody>
+          <a:bodyPr rtlCol="0" anchor="ctr"/>
+          <a:lstStyle/>
+          <a:p>
+            <a:pPr algn="ctr"/>
+            <a:endParaRPr lang="en-US"/>
+          </a:p>
+        </p:txBody>
+      </p:sp>
+      <p:sp>
+        <p:nvSpPr>
+          <p:cNvPr id="62" name="Oval 61">
+            <a:extLst>
+              <a:ext uri="{FF2B5EF4-FFF2-40B4-BE49-F238E27FC236}">
+                <a16:creationId xmlns:a16="http://schemas.microsoft.com/office/drawing/2014/main" id="{23ABC0C0-BF4A-9D45-9A2C-56AEA03671FF}"/>
+              </a:ext>
+            </a:extLst>
+          </p:cNvPr>
+          <p:cNvSpPr/>
+          <p:nvPr/>
+        </p:nvSpPr>
+        <p:spPr>
+          <a:xfrm>
+            <a:off x="9485122" y="4257616"/>
+            <a:ext cx="91440" cy="91440"/>
+          </a:xfrm>
+          <a:prstGeom prst="ellipse">
+            <a:avLst/>
+          </a:prstGeom>
+          <a:solidFill>
+            <a:schemeClr val="tx1"/>
+          </a:solidFill>
+          <a:ln>
+            <a:solidFill>
+              <a:schemeClr val="tx1"/>
+            </a:solidFill>
+          </a:ln>
+        </p:spPr>
+        <p:style>
+          <a:lnRef idx="2">
+            <a:schemeClr val="accent1">
+              <a:shade val="50000"/>
+            </a:schemeClr>
+          </a:lnRef>
+          <a:fillRef idx="1">
+            <a:schemeClr val="accent1"/>
+          </a:fillRef>
+          <a:effectRef idx="0">
+            <a:schemeClr val="accent1"/>
+          </a:effectRef>
+          <a:fontRef idx="minor">
+            <a:schemeClr val="lt1"/>
+          </a:fontRef>
+        </p:style>
+        <p:txBody>
+          <a:bodyPr rtlCol="0" anchor="ctr"/>
+          <a:lstStyle/>
+          <a:p>
+            <a:pPr algn="ctr"/>
+            <a:endParaRPr lang="en-US"/>
+          </a:p>
+        </p:txBody>
+      </p:sp>
+      <p:grpSp>
+        <p:nvGrpSpPr>
+          <p:cNvPr id="71" name="Group 70">
+            <a:extLst>
+              <a:ext uri="{FF2B5EF4-FFF2-40B4-BE49-F238E27FC236}">
+                <a16:creationId xmlns:a16="http://schemas.microsoft.com/office/drawing/2014/main" id="{AB7A95DC-3A52-0A41-8F1D-365F82C4DE14}"/>
+              </a:ext>
+            </a:extLst>
+          </p:cNvPr>
+          <p:cNvGrpSpPr/>
+          <p:nvPr/>
+        </p:nvGrpSpPr>
+        <p:grpSpPr>
+          <a:xfrm>
+            <a:off x="2403009" y="1432425"/>
+            <a:ext cx="2256185" cy="456571"/>
+            <a:chOff x="835736" y="897607"/>
+            <a:chExt cx="2256185" cy="456572"/>
+          </a:xfrm>
+        </p:grpSpPr>
+        <p:sp>
+          <p:nvSpPr>
+            <p:cNvPr id="72" name="Rounded Rectangle 71">
+              <a:extLst>
+                <a:ext uri="{FF2B5EF4-FFF2-40B4-BE49-F238E27FC236}">
+                  <a16:creationId xmlns:a16="http://schemas.microsoft.com/office/drawing/2014/main" id="{3E06E2FD-6154-5949-82DA-5DB985201208}"/>
+                </a:ext>
+              </a:extLst>
+            </p:cNvPr>
+            <p:cNvSpPr/>
+            <p:nvPr/>
+          </p:nvSpPr>
+          <p:spPr>
+            <a:xfrm>
+              <a:off x="835736" y="897607"/>
+              <a:ext cx="2067915" cy="456572"/>
+            </a:xfrm>
+            <a:prstGeom prst="roundRect">
+              <a:avLst>
+                <a:gd name="adj" fmla="val 8975"/>
+              </a:avLst>
+            </a:prstGeom>
+            <a:solidFill>
+              <a:schemeClr val="bg2"/>
+            </a:solidFill>
+            <a:ln>
+              <a:solidFill>
+                <a:schemeClr val="bg1">
+                  <a:lumMod val="50000"/>
+                </a:schemeClr>
+              </a:solidFill>
+            </a:ln>
+          </p:spPr>
+          <p:style>
+            <a:lnRef idx="2">
+              <a:schemeClr val="accent1">
+                <a:shade val="50000"/>
+              </a:schemeClr>
+            </a:lnRef>
+            <a:fillRef idx="1">
+              <a:schemeClr val="accent1"/>
+            </a:fillRef>
+            <a:effectRef idx="0">
+              <a:schemeClr val="accent1"/>
+            </a:effectRef>
+            <a:fontRef idx="minor">
+              <a:schemeClr val="lt1"/>
+            </a:fontRef>
+          </p:style>
+          <p:txBody>
+            <a:bodyPr lIns="91440" rIns="91440" rtlCol="0" anchor="ctr"/>
+            <a:lstStyle/>
+            <a:p>
+              <a:pPr algn="ctr"/>
+              <a:endParaRPr lang="en-US" sz="1801" dirty="0">
+                <a:solidFill>
+                  <a:schemeClr val="tx1"/>
+                </a:solidFill>
+              </a:endParaRPr>
+            </a:p>
+          </p:txBody>
+        </p:sp>
+        <p:pic>
+          <p:nvPicPr>
+            <p:cNvPr id="73" name="Picture 72">
+              <a:extLst>
+                <a:ext uri="{FF2B5EF4-FFF2-40B4-BE49-F238E27FC236}">
+                  <a16:creationId xmlns:a16="http://schemas.microsoft.com/office/drawing/2014/main" id="{8EA28E47-5F70-1F4F-969E-BD214E8B5288}"/>
+                </a:ext>
+              </a:extLst>
+            </p:cNvPr>
+            <p:cNvPicPr>
+              <a:picLocks noChangeAspect="1"/>
+            </p:cNvPicPr>
+            <p:nvPr/>
+          </p:nvPicPr>
+          <p:blipFill>
+            <a:blip r:embed="rId2"/>
+            <a:stretch>
+              <a:fillRect/>
+            </a:stretch>
+          </p:blipFill>
+          <p:spPr>
+            <a:xfrm>
+              <a:off x="989574" y="952541"/>
+              <a:ext cx="346702" cy="346702"/>
+            </a:xfrm>
+            <a:prstGeom prst="rect">
+              <a:avLst/>
+            </a:prstGeom>
+          </p:spPr>
+        </p:pic>
+        <p:sp>
+          <p:nvSpPr>
+            <p:cNvPr id="74" name="TextBox 73">
+              <a:extLst>
+                <a:ext uri="{FF2B5EF4-FFF2-40B4-BE49-F238E27FC236}">
+                  <a16:creationId xmlns:a16="http://schemas.microsoft.com/office/drawing/2014/main" id="{5EF1E0AA-55E3-F343-BB59-3852E191429E}"/>
+                </a:ext>
+              </a:extLst>
+            </p:cNvPr>
+            <p:cNvSpPr txBox="1"/>
+            <p:nvPr/>
+          </p:nvSpPr>
+          <p:spPr>
+            <a:xfrm>
+              <a:off x="1424691" y="984436"/>
+              <a:ext cx="1667230" cy="277000"/>
+            </a:xfrm>
+            <a:prstGeom prst="rect">
+              <a:avLst/>
+            </a:prstGeom>
+            <a:noFill/>
+          </p:spPr>
+          <p:txBody>
+            <a:bodyPr wrap="square" rtlCol="0">
+              <a:spAutoFit/>
+            </a:bodyPr>
+            <a:lstStyle/>
+            <a:p>
+              <a:r>
+                <a:rPr lang="en-US" sz="1200" dirty="0"/>
+                <a:t>sample-bindings-R</a:t>
+              </a:r>
+            </a:p>
+          </p:txBody>
+        </p:sp>
+      </p:grpSp>
+      <p:cxnSp>
+        <p:nvCxnSpPr>
+          <p:cNvPr id="76" name="Straight Connector 75">
+            <a:extLst>
+              <a:ext uri="{FF2B5EF4-FFF2-40B4-BE49-F238E27FC236}">
+                <a16:creationId xmlns:a16="http://schemas.microsoft.com/office/drawing/2014/main" id="{275E8833-79DD-C148-BE6E-72700FF206AA}"/>
+              </a:ext>
+            </a:extLst>
+          </p:cNvPr>
+          <p:cNvCxnSpPr>
+            <a:cxnSpLocks/>
+            <a:stCxn id="72" idx="2"/>
+          </p:cNvCxnSpPr>
+          <p:nvPr/>
+        </p:nvCxnSpPr>
+        <p:spPr>
+          <a:xfrm>
+            <a:off x="3436967" y="1888996"/>
+            <a:ext cx="0" cy="3984318"/>
+          </a:xfrm>
+          <a:prstGeom prst="line">
+            <a:avLst/>
+          </a:prstGeom>
+          <a:ln w="12700">
+            <a:solidFill>
+              <a:schemeClr val="bg1">
+                <a:lumMod val="50000"/>
+              </a:schemeClr>
+            </a:solidFill>
+          </a:ln>
+        </p:spPr>
+        <p:style>
+          <a:lnRef idx="1">
+            <a:schemeClr val="accent1"/>
+          </a:lnRef>
+          <a:fillRef idx="0">
+            <a:schemeClr val="accent1"/>
+          </a:fillRef>
+          <a:effectRef idx="0">
+            <a:schemeClr val="accent1"/>
+          </a:effectRef>
+          <a:fontRef idx="minor">
+            <a:schemeClr val="tx1"/>
+          </a:fontRef>
+        </p:style>
+      </p:cxnSp>
+      <p:sp>
+        <p:nvSpPr>
+          <p:cNvPr id="77" name="TextBox 76">
+            <a:extLst>
+              <a:ext uri="{FF2B5EF4-FFF2-40B4-BE49-F238E27FC236}">
+                <a16:creationId xmlns:a16="http://schemas.microsoft.com/office/drawing/2014/main" id="{E86C258E-F548-1842-A1E2-B7680E3360D7}"/>
+              </a:ext>
+            </a:extLst>
+          </p:cNvPr>
+          <p:cNvSpPr txBox="1"/>
+          <p:nvPr/>
+        </p:nvSpPr>
+        <p:spPr>
+          <a:xfrm>
+            <a:off x="3452413" y="1880909"/>
+            <a:ext cx="1079549" cy="1015663"/>
+          </a:xfrm>
+          <a:prstGeom prst="rect">
+            <a:avLst/>
+          </a:prstGeom>
+          <a:noFill/>
+        </p:spPr>
+        <p:txBody>
+          <a:bodyPr wrap="square" rtlCol="0">
+            <a:spAutoFit/>
+          </a:bodyPr>
+          <a:lstStyle/>
+          <a:p>
+            <a:r>
+              <a:rPr lang="en-US" sz="1200" dirty="0" err="1"/>
+              <a:t>README.md</a:t>
+            </a:r>
+            <a:endParaRPr lang="en-US" sz="1200" dirty="0"/>
+          </a:p>
+          <a:p>
+            <a:r>
+              <a:rPr lang="en-US" sz="1200" dirty="0"/>
+              <a:t>…</a:t>
+            </a:r>
+          </a:p>
+          <a:p>
+            <a:r>
+              <a:rPr lang="en-US" sz="1200" dirty="0"/>
+              <a:t>DESCRIPTION</a:t>
+            </a:r>
+          </a:p>
+          <a:p>
+            <a:r>
+              <a:rPr lang="en-US" sz="1200" dirty="0"/>
+              <a:t>NAMESPACE</a:t>
+            </a:r>
+          </a:p>
+          <a:p>
+            <a:r>
+              <a:rPr lang="en-US" sz="1200" dirty="0"/>
+              <a:t>R/</a:t>
+            </a:r>
+          </a:p>
+        </p:txBody>
+      </p:sp>
+      <p:cxnSp>
+        <p:nvCxnSpPr>
+          <p:cNvPr id="80" name="Straight Connector 79">
+            <a:extLst>
+              <a:ext uri="{FF2B5EF4-FFF2-40B4-BE49-F238E27FC236}">
+                <a16:creationId xmlns:a16="http://schemas.microsoft.com/office/drawing/2014/main" id="{F5DD1202-DB3E-E346-B4F4-80788B258B5F}"/>
+              </a:ext>
+            </a:extLst>
+          </p:cNvPr>
+          <p:cNvCxnSpPr>
+            <a:cxnSpLocks/>
+          </p:cNvCxnSpPr>
+          <p:nvPr/>
+        </p:nvCxnSpPr>
+        <p:spPr>
+          <a:xfrm>
+            <a:off x="3625123" y="2860919"/>
+            <a:ext cx="0" cy="204842"/>
+          </a:xfrm>
+          <a:prstGeom prst="line">
+            <a:avLst/>
+          </a:prstGeom>
+          <a:ln w="12700">
+            <a:solidFill>
+              <a:schemeClr val="bg1">
+                <a:lumMod val="50000"/>
+              </a:schemeClr>
+            </a:solidFill>
+          </a:ln>
+        </p:spPr>
+        <p:style>
+          <a:lnRef idx="1">
+            <a:schemeClr val="accent1"/>
+          </a:lnRef>
+          <a:fillRef idx="0">
+            <a:schemeClr val="accent1"/>
+          </a:fillRef>
+          <a:effectRef idx="0">
+            <a:schemeClr val="accent1"/>
+          </a:effectRef>
+          <a:fontRef idx="minor">
+            <a:schemeClr val="tx1"/>
+          </a:fontRef>
+        </p:style>
+      </p:cxnSp>
+      <p:sp>
+        <p:nvSpPr>
+          <p:cNvPr id="83" name="TextBox 82">
+            <a:extLst>
+              <a:ext uri="{FF2B5EF4-FFF2-40B4-BE49-F238E27FC236}">
+                <a16:creationId xmlns:a16="http://schemas.microsoft.com/office/drawing/2014/main" id="{1309F273-C163-9945-B10A-DBE1354755F0}"/>
+              </a:ext>
+            </a:extLst>
+          </p:cNvPr>
+          <p:cNvSpPr txBox="1"/>
+          <p:nvPr/>
+        </p:nvSpPr>
+        <p:spPr>
+          <a:xfrm>
+            <a:off x="3636154" y="2834928"/>
+            <a:ext cx="539358" cy="276999"/>
+          </a:xfrm>
+          <a:prstGeom prst="rect">
+            <a:avLst/>
+          </a:prstGeom>
+          <a:noFill/>
+        </p:spPr>
+        <p:txBody>
+          <a:bodyPr wrap="square" rtlCol="0">
+            <a:spAutoFit/>
+          </a:bodyPr>
+          <a:lstStyle/>
+          <a:p>
+            <a:r>
+              <a:rPr lang="en-US" sz="1200" dirty="0"/>
+              <a:t>*.R</a:t>
+            </a:r>
+          </a:p>
+        </p:txBody>
+      </p:sp>
+      <p:sp>
+        <p:nvSpPr>
+          <p:cNvPr id="84" name="TextBox 83">
+            <a:extLst>
+              <a:ext uri="{FF2B5EF4-FFF2-40B4-BE49-F238E27FC236}">
+                <a16:creationId xmlns:a16="http://schemas.microsoft.com/office/drawing/2014/main" id="{72777E77-0552-E841-8146-C70681DEA67C}"/>
+              </a:ext>
+            </a:extLst>
+          </p:cNvPr>
+          <p:cNvSpPr txBox="1"/>
+          <p:nvPr/>
+        </p:nvSpPr>
+        <p:spPr>
+          <a:xfrm>
+            <a:off x="3469693" y="3017728"/>
+            <a:ext cx="1079549" cy="276999"/>
+          </a:xfrm>
+          <a:prstGeom prst="rect">
+            <a:avLst/>
+          </a:prstGeom>
+          <a:noFill/>
+        </p:spPr>
+        <p:txBody>
+          <a:bodyPr wrap="square" rtlCol="0">
+            <a:spAutoFit/>
+          </a:bodyPr>
+          <a:lstStyle/>
+          <a:p>
+            <a:r>
+              <a:rPr lang="en-US" sz="1200" dirty="0" err="1"/>
+              <a:t>src</a:t>
+            </a:r>
+            <a:r>
+              <a:rPr lang="en-US" sz="1200" dirty="0"/>
+              <a:t>/</a:t>
+            </a:r>
+          </a:p>
+        </p:txBody>
+      </p:sp>
+      <p:sp>
+        <p:nvSpPr>
+          <p:cNvPr id="87" name="Oval 86">
+            <a:extLst>
+              <a:ext uri="{FF2B5EF4-FFF2-40B4-BE49-F238E27FC236}">
+                <a16:creationId xmlns:a16="http://schemas.microsoft.com/office/drawing/2014/main" id="{999F02F5-1ED4-7442-AC45-05054D24BC19}"/>
+              </a:ext>
+            </a:extLst>
+          </p:cNvPr>
+          <p:cNvSpPr/>
+          <p:nvPr/>
+        </p:nvSpPr>
+        <p:spPr>
+          <a:xfrm>
+            <a:off x="3993387" y="3671868"/>
+            <a:ext cx="91440" cy="91440"/>
+          </a:xfrm>
+          <a:prstGeom prst="ellipse">
+            <a:avLst/>
+          </a:prstGeom>
+          <a:solidFill>
+            <a:schemeClr val="tx1"/>
+          </a:solidFill>
+          <a:ln>
+            <a:solidFill>
+              <a:schemeClr val="tx1"/>
+            </a:solidFill>
+          </a:ln>
+        </p:spPr>
+        <p:style>
+          <a:lnRef idx="2">
+            <a:schemeClr val="accent1">
+              <a:shade val="50000"/>
+            </a:schemeClr>
+          </a:lnRef>
+          <a:fillRef idx="1">
+            <a:schemeClr val="accent1"/>
+          </a:fillRef>
+          <a:effectRef idx="0">
+            <a:schemeClr val="accent1"/>
+          </a:effectRef>
+          <a:fontRef idx="minor">
+            <a:schemeClr val="lt1"/>
+          </a:fontRef>
+        </p:style>
+        <p:txBody>
+          <a:bodyPr rtlCol="0" anchor="ctr"/>
+          <a:lstStyle/>
+          <a:p>
+            <a:pPr algn="ctr"/>
+            <a:endParaRPr lang="en-US"/>
+          </a:p>
+        </p:txBody>
+      </p:sp>
+      <p:cxnSp>
+        <p:nvCxnSpPr>
+          <p:cNvPr id="88" name="Straight Connector 87">
+            <a:extLst>
+              <a:ext uri="{FF2B5EF4-FFF2-40B4-BE49-F238E27FC236}">
+                <a16:creationId xmlns:a16="http://schemas.microsoft.com/office/drawing/2014/main" id="{963B514D-1F7A-324C-B804-4487999216BD}"/>
+              </a:ext>
+            </a:extLst>
+          </p:cNvPr>
+          <p:cNvCxnSpPr>
+            <a:cxnSpLocks/>
+          </p:cNvCxnSpPr>
+          <p:nvPr/>
+        </p:nvCxnSpPr>
+        <p:spPr>
+          <a:xfrm flipH="1">
+            <a:off x="3633540" y="3242031"/>
+            <a:ext cx="1216" cy="557543"/>
+          </a:xfrm>
+          <a:prstGeom prst="line">
+            <a:avLst/>
+          </a:prstGeom>
+          <a:ln w="12700">
+            <a:solidFill>
+              <a:schemeClr val="bg1">
+                <a:lumMod val="50000"/>
+              </a:schemeClr>
+            </a:solidFill>
+          </a:ln>
+        </p:spPr>
+        <p:style>
+          <a:lnRef idx="1">
+            <a:schemeClr val="accent1"/>
+          </a:lnRef>
+          <a:fillRef idx="0">
+            <a:schemeClr val="accent1"/>
+          </a:fillRef>
+          <a:effectRef idx="0">
+            <a:schemeClr val="accent1"/>
+          </a:effectRef>
+          <a:fontRef idx="minor">
+            <a:schemeClr val="tx1"/>
+          </a:fontRef>
+        </p:style>
+      </p:cxnSp>
+      <p:sp>
+        <p:nvSpPr>
+          <p:cNvPr id="102" name="Right Brace 101">
+            <a:extLst>
+              <a:ext uri="{FF2B5EF4-FFF2-40B4-BE49-F238E27FC236}">
+                <a16:creationId xmlns:a16="http://schemas.microsoft.com/office/drawing/2014/main" id="{565505EA-D62B-334D-8C31-1FB8A8189E80}"/>
+              </a:ext>
+            </a:extLst>
+          </p:cNvPr>
+          <p:cNvSpPr/>
+          <p:nvPr/>
+        </p:nvSpPr>
+        <p:spPr>
+          <a:xfrm rot="10800000">
+            <a:off x="3066029" y="3147083"/>
+            <a:ext cx="251791" cy="733813"/>
+          </a:xfrm>
+          <a:prstGeom prst="rightBrace">
+            <a:avLst/>
+          </a:prstGeom>
+          <a:ln w="25400">
+            <a:solidFill>
+              <a:schemeClr val="tx1"/>
+            </a:solidFill>
+          </a:ln>
+        </p:spPr>
+        <p:style>
+          <a:lnRef idx="1">
+            <a:schemeClr val="accent1"/>
+          </a:lnRef>
+          <a:fillRef idx="0">
+            <a:schemeClr val="accent1"/>
+          </a:fillRef>
+          <a:effectRef idx="0">
+            <a:schemeClr val="accent1"/>
+          </a:effectRef>
+          <a:fontRef idx="minor">
+            <a:schemeClr val="tx1"/>
+          </a:fontRef>
+        </p:style>
+        <p:txBody>
+          <a:bodyPr rtlCol="0" anchor="ctr"/>
+          <a:lstStyle/>
+          <a:p>
+            <a:pPr algn="ctr"/>
+            <a:endParaRPr lang="en-US"/>
+          </a:p>
+        </p:txBody>
+      </p:sp>
+      <p:sp>
+        <p:nvSpPr>
+          <p:cNvPr id="103" name="TextBox 102">
+            <a:extLst>
+              <a:ext uri="{FF2B5EF4-FFF2-40B4-BE49-F238E27FC236}">
+                <a16:creationId xmlns:a16="http://schemas.microsoft.com/office/drawing/2014/main" id="{787FBF27-2381-7144-957F-5682527CB7F6}"/>
+              </a:ext>
+            </a:extLst>
+          </p:cNvPr>
+          <p:cNvSpPr txBox="1"/>
+          <p:nvPr/>
+        </p:nvSpPr>
+        <p:spPr>
+          <a:xfrm>
+            <a:off x="924909" y="3103033"/>
+            <a:ext cx="2708631" cy="1200329"/>
+          </a:xfrm>
+          <a:prstGeom prst="rect">
+            <a:avLst/>
+          </a:prstGeom>
+          <a:noFill/>
+        </p:spPr>
+        <p:txBody>
+          <a:bodyPr wrap="square" rtlCol="0">
+            <a:spAutoFit/>
+          </a:bodyPr>
+          <a:lstStyle/>
+          <a:p>
+            <a:r>
+              <a:rPr lang="en-US" dirty="0"/>
+              <a:t>Enable </a:t>
+            </a:r>
+            <a:r>
+              <a:rPr lang="en-US" dirty="0" err="1"/>
+              <a:t>RcppSubdirs</a:t>
+            </a:r>
+            <a:r>
+              <a:rPr lang="en-US" dirty="0"/>
+              <a:t>:</a:t>
+            </a:r>
+          </a:p>
+          <a:p>
+            <a:r>
+              <a:rPr lang="en-US" sz="1200" dirty="0">
+                <a:hlinkClick r:id="rId3"/>
+              </a:rPr>
+              <a:t>https://github.com/r-pkg-examples/rcpp-headers-subdirs/tree/master/src</a:t>
+            </a:r>
+            <a:endParaRPr lang="en-US" sz="1200" dirty="0"/>
+          </a:p>
+          <a:p>
+            <a:endParaRPr lang="en-US" dirty="0"/>
+          </a:p>
+        </p:txBody>
+      </p:sp>
+      <p:sp>
+        <p:nvSpPr>
+          <p:cNvPr id="104" name="TextBox 103">
+            <a:extLst>
+              <a:ext uri="{FF2B5EF4-FFF2-40B4-BE49-F238E27FC236}">
+                <a16:creationId xmlns:a16="http://schemas.microsoft.com/office/drawing/2014/main" id="{AF8037B2-636C-534B-AF5C-9218E19B9158}"/>
+              </a:ext>
+            </a:extLst>
+          </p:cNvPr>
+          <p:cNvSpPr txBox="1"/>
+          <p:nvPr/>
+        </p:nvSpPr>
+        <p:spPr>
+          <a:xfrm>
+            <a:off x="6456346" y="6116667"/>
+            <a:ext cx="1948589" cy="369332"/>
+          </a:xfrm>
+          <a:prstGeom prst="rect">
+            <a:avLst/>
+          </a:prstGeom>
+          <a:noFill/>
+        </p:spPr>
+        <p:txBody>
+          <a:bodyPr wrap="square" rtlCol="0">
+            <a:spAutoFit/>
+          </a:bodyPr>
+          <a:lstStyle/>
+          <a:p>
+            <a:r>
+              <a:rPr lang="en-US" dirty="0"/>
+              <a:t>git submodules</a:t>
+            </a:r>
+          </a:p>
+        </p:txBody>
+      </p:sp>
+      <p:cxnSp>
+        <p:nvCxnSpPr>
+          <p:cNvPr id="106" name="Elbow Connector 105">
+            <a:extLst>
+              <a:ext uri="{FF2B5EF4-FFF2-40B4-BE49-F238E27FC236}">
+                <a16:creationId xmlns:a16="http://schemas.microsoft.com/office/drawing/2014/main" id="{34A20157-4918-C942-9C53-94A2DC899CB4}"/>
+              </a:ext>
+            </a:extLst>
+          </p:cNvPr>
+          <p:cNvCxnSpPr>
+            <a:cxnSpLocks/>
+            <a:stCxn id="104" idx="0"/>
+            <a:endCxn id="5" idx="1"/>
+          </p:cNvCxnSpPr>
+          <p:nvPr/>
+        </p:nvCxnSpPr>
+        <p:spPr>
+          <a:xfrm rot="5400000" flipH="1" flipV="1">
+            <a:off x="6446004" y="4357358"/>
+            <a:ext cx="2743947" cy="774672"/>
+          </a:xfrm>
+          <a:prstGeom prst="bentConnector2">
+            <a:avLst/>
+          </a:prstGeom>
+          <a:ln w="25400">
+            <a:tailEnd type="arrow"/>
+          </a:ln>
+        </p:spPr>
+        <p:style>
+          <a:lnRef idx="1">
+            <a:schemeClr val="accent1"/>
+          </a:lnRef>
+          <a:fillRef idx="0">
+            <a:schemeClr val="accent1"/>
+          </a:fillRef>
+          <a:effectRef idx="0">
+            <a:schemeClr val="accent1"/>
+          </a:effectRef>
+          <a:fontRef idx="minor">
+            <a:schemeClr val="tx1"/>
+          </a:fontRef>
+        </p:style>
+      </p:cxnSp>
+      <p:cxnSp>
+        <p:nvCxnSpPr>
+          <p:cNvPr id="107" name="Elbow Connector 106">
+            <a:extLst>
+              <a:ext uri="{FF2B5EF4-FFF2-40B4-BE49-F238E27FC236}">
+                <a16:creationId xmlns:a16="http://schemas.microsoft.com/office/drawing/2014/main" id="{57152365-2B0F-C941-9C26-AAC5A7B652BA}"/>
+              </a:ext>
+            </a:extLst>
+          </p:cNvPr>
+          <p:cNvCxnSpPr>
+            <a:cxnSpLocks/>
+            <a:stCxn id="104" idx="0"/>
+            <a:endCxn id="61" idx="3"/>
+          </p:cNvCxnSpPr>
+          <p:nvPr/>
+        </p:nvCxnSpPr>
+        <p:spPr>
+          <a:xfrm rot="16200000" flipV="1">
+            <a:off x="5482709" y="4168735"/>
+            <a:ext cx="1943822" cy="1952042"/>
+          </a:xfrm>
+          <a:prstGeom prst="bentConnector2">
+            <a:avLst/>
+          </a:prstGeom>
+          <a:ln w="25400">
+            <a:tailEnd type="arrow"/>
+          </a:ln>
+        </p:spPr>
+        <p:style>
+          <a:lnRef idx="1">
+            <a:schemeClr val="accent1"/>
+          </a:lnRef>
+          <a:fillRef idx="0">
+            <a:schemeClr val="accent1"/>
+          </a:fillRef>
+          <a:effectRef idx="0">
+            <a:schemeClr val="accent1"/>
+          </a:effectRef>
+          <a:fontRef idx="minor">
+            <a:schemeClr val="tx1"/>
+          </a:fontRef>
+        </p:style>
+      </p:cxnSp>
+      <p:sp>
+        <p:nvSpPr>
+          <p:cNvPr id="116" name="TextBox 115">
+            <a:extLst>
+              <a:ext uri="{FF2B5EF4-FFF2-40B4-BE49-F238E27FC236}">
+                <a16:creationId xmlns:a16="http://schemas.microsoft.com/office/drawing/2014/main" id="{8A6513F5-7D3E-544F-983D-F3BEC1551920}"/>
+              </a:ext>
+            </a:extLst>
+          </p:cNvPr>
+          <p:cNvSpPr txBox="1"/>
+          <p:nvPr/>
+        </p:nvSpPr>
+        <p:spPr>
+          <a:xfrm>
+            <a:off x="236900" y="364745"/>
+            <a:ext cx="4828357" cy="646331"/>
+          </a:xfrm>
+          <a:prstGeom prst="rect">
+            <a:avLst/>
+          </a:prstGeom>
+          <a:noFill/>
+        </p:spPr>
+        <p:txBody>
+          <a:bodyPr wrap="square" rtlCol="0">
+            <a:spAutoFit/>
+          </a:bodyPr>
+          <a:lstStyle/>
+          <a:p>
+            <a:r>
+              <a:rPr lang="en-US" b="1" dirty="0"/>
+              <a:t>Proposal for Code Efficient R + Python Bindings for C++ Package</a:t>
+            </a:r>
+          </a:p>
+        </p:txBody>
+      </p:sp>
+      <p:cxnSp>
+        <p:nvCxnSpPr>
+          <p:cNvPr id="49" name="Elbow Connector 48">
+            <a:extLst>
+              <a:ext uri="{FF2B5EF4-FFF2-40B4-BE49-F238E27FC236}">
+                <a16:creationId xmlns:a16="http://schemas.microsoft.com/office/drawing/2014/main" id="{AB170F88-39F5-4740-B793-7C575A4ACB13}"/>
+              </a:ext>
+            </a:extLst>
+          </p:cNvPr>
+          <p:cNvCxnSpPr>
+            <a:cxnSpLocks/>
+            <a:stCxn id="60" idx="6"/>
+            <a:endCxn id="62" idx="6"/>
+          </p:cNvCxnSpPr>
+          <p:nvPr/>
+        </p:nvCxnSpPr>
+        <p:spPr>
+          <a:xfrm>
+            <a:off x="8683465" y="2934430"/>
+            <a:ext cx="893097" cy="1368906"/>
+          </a:xfrm>
+          <a:prstGeom prst="bentConnector3">
+            <a:avLst>
+              <a:gd name="adj1" fmla="val 195305"/>
+            </a:avLst>
+          </a:prstGeom>
+          <a:ln w="12700">
+            <a:solidFill>
+              <a:schemeClr val="bg1">
+                <a:lumMod val="50000"/>
+              </a:schemeClr>
+            </a:solidFill>
+            <a:prstDash val="lgDash"/>
+            <a:tailEnd type="triangle"/>
+          </a:ln>
+        </p:spPr>
+        <p:style>
+          <a:lnRef idx="1">
+            <a:schemeClr val="accent1"/>
+          </a:lnRef>
+          <a:fillRef idx="0">
+            <a:schemeClr val="accent1"/>
+          </a:fillRef>
+          <a:effectRef idx="0">
+            <a:schemeClr val="accent1"/>
+          </a:effectRef>
+          <a:fontRef idx="minor">
+            <a:schemeClr val="tx1"/>
+          </a:fontRef>
+        </p:style>
+      </p:cxnSp>
+      <p:sp>
+        <p:nvSpPr>
+          <p:cNvPr id="67" name="Rounded Rectangle 66">
+            <a:extLst>
+              <a:ext uri="{FF2B5EF4-FFF2-40B4-BE49-F238E27FC236}">
+                <a16:creationId xmlns:a16="http://schemas.microsoft.com/office/drawing/2014/main" id="{9A139994-3337-6540-86D9-0E1DC604FD48}"/>
+              </a:ext>
+            </a:extLst>
+          </p:cNvPr>
+          <p:cNvSpPr/>
+          <p:nvPr/>
+        </p:nvSpPr>
+        <p:spPr>
+          <a:xfrm>
+            <a:off x="9046832" y="2863375"/>
+            <a:ext cx="655361" cy="173148"/>
+          </a:xfrm>
+          <a:prstGeom prst="roundRect">
+            <a:avLst/>
+          </a:prstGeom>
+          <a:solidFill>
+            <a:schemeClr val="bg2"/>
+          </a:solidFill>
+          <a:ln>
+            <a:solidFill>
+              <a:schemeClr val="bg1">
+                <a:lumMod val="50000"/>
+              </a:schemeClr>
+            </a:solidFill>
+          </a:ln>
+        </p:spPr>
+        <p:style>
+          <a:lnRef idx="2">
+            <a:schemeClr val="accent1">
+              <a:shade val="50000"/>
+            </a:schemeClr>
+          </a:lnRef>
+          <a:fillRef idx="1">
+            <a:schemeClr val="accent1"/>
+          </a:fillRef>
+          <a:effectRef idx="0">
+            <a:schemeClr val="accent1"/>
+          </a:effectRef>
+          <a:fontRef idx="minor">
+            <a:schemeClr val="lt1"/>
+          </a:fontRef>
+        </p:style>
+        <p:txBody>
+          <a:bodyPr rtlCol="0" anchor="ctr"/>
+          <a:lstStyle/>
+          <a:p>
+            <a:pPr algn="ctr"/>
+            <a:r>
+              <a:rPr lang="en-US" sz="800" dirty="0" err="1">
+                <a:solidFill>
+                  <a:schemeClr val="tx1"/>
+                </a:solidFill>
+              </a:rPr>
+              <a:t>symlink</a:t>
+            </a:r>
+            <a:endParaRPr lang="en-US" sz="800" dirty="0">
+              <a:solidFill>
+                <a:schemeClr val="tx1"/>
+              </a:solidFill>
+            </a:endParaRPr>
+          </a:p>
+        </p:txBody>
+      </p:sp>
+      <p:grpSp>
+        <p:nvGrpSpPr>
+          <p:cNvPr id="55" name="Group 54">
+            <a:extLst>
+              <a:ext uri="{FF2B5EF4-FFF2-40B4-BE49-F238E27FC236}">
+                <a16:creationId xmlns:a16="http://schemas.microsoft.com/office/drawing/2014/main" id="{A0E3735D-14C8-0943-A0AA-6DF10283CF8B}"/>
+              </a:ext>
+            </a:extLst>
+          </p:cNvPr>
+          <p:cNvGrpSpPr/>
+          <p:nvPr/>
+        </p:nvGrpSpPr>
+        <p:grpSpPr>
+          <a:xfrm>
+            <a:off x="3552281" y="3947516"/>
+            <a:ext cx="1926318" cy="456571"/>
+            <a:chOff x="835736" y="897607"/>
+            <a:chExt cx="1926318" cy="456572"/>
+          </a:xfrm>
+        </p:grpSpPr>
+        <p:sp>
+          <p:nvSpPr>
+            <p:cNvPr id="57" name="Rounded Rectangle 56">
+              <a:extLst>
+                <a:ext uri="{FF2B5EF4-FFF2-40B4-BE49-F238E27FC236}">
+                  <a16:creationId xmlns:a16="http://schemas.microsoft.com/office/drawing/2014/main" id="{BF4C871F-DB91-F84B-9621-8FCBE1FD783C}"/>
+                </a:ext>
+              </a:extLst>
+            </p:cNvPr>
+            <p:cNvSpPr/>
+            <p:nvPr/>
+          </p:nvSpPr>
+          <p:spPr>
+            <a:xfrm>
+              <a:off x="835736" y="897607"/>
+              <a:ext cx="1834829" cy="456572"/>
+            </a:xfrm>
+            <a:prstGeom prst="roundRect">
+              <a:avLst>
+                <a:gd name="adj" fmla="val 8975"/>
+              </a:avLst>
+            </a:prstGeom>
+            <a:solidFill>
+              <a:schemeClr val="bg2"/>
+            </a:solidFill>
+            <a:ln>
+              <a:solidFill>
+                <a:schemeClr val="bg1">
+                  <a:lumMod val="50000"/>
+                </a:schemeClr>
+              </a:solidFill>
+            </a:ln>
+          </p:spPr>
+          <p:style>
+            <a:lnRef idx="2">
+              <a:schemeClr val="accent1">
+                <a:shade val="50000"/>
+              </a:schemeClr>
+            </a:lnRef>
+            <a:fillRef idx="1">
+              <a:schemeClr val="accent1"/>
+            </a:fillRef>
+            <a:effectRef idx="0">
+              <a:schemeClr val="accent1"/>
+            </a:effectRef>
+            <a:fontRef idx="minor">
+              <a:schemeClr val="lt1"/>
+            </a:fontRef>
+          </p:style>
+          <p:txBody>
+            <a:bodyPr lIns="91440" rIns="91440" rtlCol="0" anchor="ctr"/>
+            <a:lstStyle/>
+            <a:p>
+              <a:pPr algn="ctr"/>
+              <a:endParaRPr lang="en-US" sz="1801" dirty="0">
+                <a:solidFill>
+                  <a:schemeClr val="tx1"/>
+                </a:solidFill>
+              </a:endParaRPr>
+            </a:p>
+          </p:txBody>
+        </p:sp>
+        <p:pic>
+          <p:nvPicPr>
+            <p:cNvPr id="58" name="Picture 57">
+              <a:extLst>
+                <a:ext uri="{FF2B5EF4-FFF2-40B4-BE49-F238E27FC236}">
+                  <a16:creationId xmlns:a16="http://schemas.microsoft.com/office/drawing/2014/main" id="{7F17E540-E976-9C4C-BE5C-EC4AF8E1E9FA}"/>
+                </a:ext>
+              </a:extLst>
+            </p:cNvPr>
+            <p:cNvPicPr>
+              <a:picLocks noChangeAspect="1"/>
+            </p:cNvPicPr>
+            <p:nvPr/>
+          </p:nvPicPr>
+          <p:blipFill>
+            <a:blip r:embed="rId2"/>
+            <a:stretch>
+              <a:fillRect/>
+            </a:stretch>
+          </p:blipFill>
+          <p:spPr>
+            <a:xfrm>
+              <a:off x="989574" y="952541"/>
+              <a:ext cx="346702" cy="346702"/>
+            </a:xfrm>
+            <a:prstGeom prst="rect">
+              <a:avLst/>
+            </a:prstGeom>
+          </p:spPr>
+        </p:pic>
+        <p:sp>
+          <p:nvSpPr>
+            <p:cNvPr id="61" name="TextBox 60">
+              <a:extLst>
+                <a:ext uri="{FF2B5EF4-FFF2-40B4-BE49-F238E27FC236}">
+                  <a16:creationId xmlns:a16="http://schemas.microsoft.com/office/drawing/2014/main" id="{D5CB6D74-DF01-4D48-8C4B-2A5B42F692E6}"/>
+                </a:ext>
+              </a:extLst>
+            </p:cNvPr>
+            <p:cNvSpPr txBox="1"/>
+            <p:nvPr/>
+          </p:nvSpPr>
+          <p:spPr>
+            <a:xfrm>
+              <a:off x="1424692" y="984436"/>
+              <a:ext cx="1337362" cy="277000"/>
+            </a:xfrm>
+            <a:prstGeom prst="rect">
+              <a:avLst/>
+            </a:prstGeom>
+            <a:noFill/>
+          </p:spPr>
+          <p:txBody>
+            <a:bodyPr wrap="square" rtlCol="0">
+              <a:spAutoFit/>
+            </a:bodyPr>
+            <a:lstStyle/>
+            <a:p>
+              <a:r>
+                <a:rPr lang="en-US" sz="1200" dirty="0"/>
+                <a:t>sample-bindings</a:t>
+              </a:r>
+            </a:p>
+          </p:txBody>
+        </p:sp>
+      </p:grpSp>
+      <p:sp>
+        <p:nvSpPr>
+          <p:cNvPr id="63" name="TextBox 62">
+            <a:extLst>
+              <a:ext uri="{FF2B5EF4-FFF2-40B4-BE49-F238E27FC236}">
+                <a16:creationId xmlns:a16="http://schemas.microsoft.com/office/drawing/2014/main" id="{6F1211C8-E218-8E4D-9EC4-251C053A8347}"/>
+              </a:ext>
+            </a:extLst>
+          </p:cNvPr>
+          <p:cNvSpPr txBox="1"/>
+          <p:nvPr/>
+        </p:nvSpPr>
+        <p:spPr>
+          <a:xfrm>
+            <a:off x="4468926" y="4402766"/>
+            <a:ext cx="1079549" cy="830997"/>
+          </a:xfrm>
+          <a:prstGeom prst="rect">
+            <a:avLst/>
+          </a:prstGeom>
+          <a:noFill/>
+        </p:spPr>
+        <p:txBody>
+          <a:bodyPr wrap="square" rtlCol="0">
+            <a:spAutoFit/>
+          </a:bodyPr>
+          <a:lstStyle/>
+          <a:p>
+            <a:r>
+              <a:rPr lang="en-US" sz="1200" dirty="0" err="1"/>
+              <a:t>README.md</a:t>
+            </a:r>
+            <a:endParaRPr lang="en-US" sz="1200" dirty="0"/>
+          </a:p>
+          <a:p>
+            <a:r>
+              <a:rPr lang="en-US" sz="1200" dirty="0"/>
+              <a:t>LISCENSE</a:t>
+            </a:r>
+          </a:p>
+          <a:p>
+            <a:r>
+              <a:rPr lang="en-US" sz="1200" dirty="0"/>
+              <a:t>…</a:t>
+            </a:r>
+          </a:p>
+          <a:p>
+            <a:r>
+              <a:rPr lang="en-US" sz="1200" dirty="0" err="1"/>
+              <a:t>src</a:t>
+            </a:r>
+            <a:r>
+              <a:rPr lang="en-US" sz="1200" dirty="0"/>
+              <a:t>/</a:t>
+            </a:r>
+          </a:p>
+        </p:txBody>
+      </p:sp>
+      <p:cxnSp>
+        <p:nvCxnSpPr>
+          <p:cNvPr id="64" name="Straight Connector 63">
+            <a:extLst>
+              <a:ext uri="{FF2B5EF4-FFF2-40B4-BE49-F238E27FC236}">
+                <a16:creationId xmlns:a16="http://schemas.microsoft.com/office/drawing/2014/main" id="{F7D06AEF-216C-EB43-83D9-38A73629C629}"/>
+              </a:ext>
+            </a:extLst>
+          </p:cNvPr>
+          <p:cNvCxnSpPr>
+            <a:cxnSpLocks/>
+          </p:cNvCxnSpPr>
+          <p:nvPr/>
+        </p:nvCxnSpPr>
+        <p:spPr>
+          <a:xfrm>
+            <a:off x="4632950" y="5223418"/>
+            <a:ext cx="0" cy="649896"/>
+          </a:xfrm>
+          <a:prstGeom prst="line">
+            <a:avLst/>
+          </a:prstGeom>
+          <a:ln w="12700">
+            <a:solidFill>
+              <a:schemeClr val="bg1">
+                <a:lumMod val="50000"/>
+              </a:schemeClr>
+            </a:solidFill>
+          </a:ln>
+        </p:spPr>
+        <p:style>
+          <a:lnRef idx="1">
+            <a:schemeClr val="accent1"/>
+          </a:lnRef>
+          <a:fillRef idx="0">
+            <a:schemeClr val="accent1"/>
+          </a:fillRef>
+          <a:effectRef idx="0">
+            <a:schemeClr val="accent1"/>
+          </a:effectRef>
+          <a:fontRef idx="minor">
+            <a:schemeClr val="tx1"/>
+          </a:fontRef>
+        </p:style>
+      </p:cxnSp>
+      <p:sp>
+        <p:nvSpPr>
+          <p:cNvPr id="65" name="TextBox 64">
+            <a:extLst>
+              <a:ext uri="{FF2B5EF4-FFF2-40B4-BE49-F238E27FC236}">
+                <a16:creationId xmlns:a16="http://schemas.microsoft.com/office/drawing/2014/main" id="{C7B43666-5323-CF4D-95B1-8CD422A6F7B8}"/>
+              </a:ext>
+            </a:extLst>
+          </p:cNvPr>
+          <p:cNvSpPr txBox="1"/>
+          <p:nvPr/>
+        </p:nvSpPr>
+        <p:spPr>
+          <a:xfrm>
+            <a:off x="4622857" y="5153442"/>
+            <a:ext cx="816846" cy="830997"/>
+          </a:xfrm>
+          <a:prstGeom prst="rect">
+            <a:avLst/>
+          </a:prstGeom>
+          <a:noFill/>
+        </p:spPr>
+        <p:txBody>
+          <a:bodyPr wrap="square" rtlCol="0">
+            <a:spAutoFit/>
+          </a:bodyPr>
+          <a:lstStyle/>
+          <a:p>
+            <a:r>
+              <a:rPr lang="en-US" sz="1200" dirty="0"/>
+              <a:t>*.</a:t>
+            </a:r>
+            <a:r>
+              <a:rPr lang="en-US" sz="1200" dirty="0" err="1"/>
+              <a:t>cpp</a:t>
+            </a:r>
+            <a:endParaRPr lang="en-US" sz="1200" dirty="0"/>
+          </a:p>
+          <a:p>
+            <a:r>
+              <a:rPr lang="en-US" sz="1200" dirty="0"/>
+              <a:t>include/</a:t>
+            </a:r>
+          </a:p>
+          <a:p>
+            <a:endParaRPr lang="en-US" sz="1200" dirty="0"/>
+          </a:p>
+          <a:p>
+            <a:endParaRPr lang="en-US" sz="1200" dirty="0"/>
+          </a:p>
+        </p:txBody>
+      </p:sp>
+      <p:cxnSp>
+        <p:nvCxnSpPr>
+          <p:cNvPr id="66" name="Straight Connector 65">
+            <a:extLst>
+              <a:ext uri="{FF2B5EF4-FFF2-40B4-BE49-F238E27FC236}">
+                <a16:creationId xmlns:a16="http://schemas.microsoft.com/office/drawing/2014/main" id="{935BA668-307F-444B-96A2-7DCC905222E8}"/>
+              </a:ext>
+            </a:extLst>
+          </p:cNvPr>
+          <p:cNvCxnSpPr>
+            <a:cxnSpLocks/>
+          </p:cNvCxnSpPr>
+          <p:nvPr/>
+        </p:nvCxnSpPr>
+        <p:spPr>
+          <a:xfrm>
+            <a:off x="4761742" y="5568940"/>
+            <a:ext cx="0" cy="304374"/>
+          </a:xfrm>
+          <a:prstGeom prst="line">
+            <a:avLst/>
+          </a:prstGeom>
+          <a:ln w="12700">
+            <a:solidFill>
+              <a:schemeClr val="bg1">
+                <a:lumMod val="50000"/>
+              </a:schemeClr>
+            </a:solidFill>
+          </a:ln>
+        </p:spPr>
+        <p:style>
+          <a:lnRef idx="1">
+            <a:schemeClr val="accent1"/>
+          </a:lnRef>
+          <a:fillRef idx="0">
+            <a:schemeClr val="accent1"/>
+          </a:fillRef>
+          <a:effectRef idx="0">
+            <a:schemeClr val="accent1"/>
+          </a:effectRef>
+          <a:fontRef idx="minor">
+            <a:schemeClr val="tx1"/>
+          </a:fontRef>
+        </p:style>
+      </p:cxnSp>
+      <p:sp>
+        <p:nvSpPr>
+          <p:cNvPr id="68" name="TextBox 67">
+            <a:extLst>
+              <a:ext uri="{FF2B5EF4-FFF2-40B4-BE49-F238E27FC236}">
+                <a16:creationId xmlns:a16="http://schemas.microsoft.com/office/drawing/2014/main" id="{AB6401CD-9B13-0148-AE1D-B37368CD1CAB}"/>
+              </a:ext>
+            </a:extLst>
+          </p:cNvPr>
+          <p:cNvSpPr txBox="1"/>
+          <p:nvPr/>
+        </p:nvSpPr>
+        <p:spPr>
+          <a:xfrm>
+            <a:off x="4776788" y="5527779"/>
+            <a:ext cx="662909" cy="276999"/>
+          </a:xfrm>
+          <a:prstGeom prst="rect">
+            <a:avLst/>
+          </a:prstGeom>
+          <a:noFill/>
+        </p:spPr>
+        <p:txBody>
+          <a:bodyPr wrap="square" rtlCol="0">
+            <a:spAutoFit/>
+          </a:bodyPr>
+          <a:lstStyle/>
+          <a:p>
+            <a:r>
+              <a:rPr lang="en-US" sz="1200" dirty="0"/>
+              <a:t>*.h</a:t>
+            </a:r>
+          </a:p>
+        </p:txBody>
+      </p:sp>
+      <p:sp>
+        <p:nvSpPr>
+          <p:cNvPr id="69" name="Oval 68">
+            <a:extLst>
+              <a:ext uri="{FF2B5EF4-FFF2-40B4-BE49-F238E27FC236}">
+                <a16:creationId xmlns:a16="http://schemas.microsoft.com/office/drawing/2014/main" id="{767E6187-63CE-9043-A215-10E9B7035EA2}"/>
+              </a:ext>
+            </a:extLst>
+          </p:cNvPr>
+          <p:cNvSpPr/>
+          <p:nvPr/>
+        </p:nvSpPr>
+        <p:spPr>
+          <a:xfrm>
+            <a:off x="4832090" y="5060698"/>
+            <a:ext cx="91440" cy="91440"/>
+          </a:xfrm>
+          <a:prstGeom prst="ellipse">
+            <a:avLst/>
+          </a:prstGeom>
+          <a:solidFill>
+            <a:schemeClr val="tx1"/>
+          </a:solidFill>
+          <a:ln>
+            <a:solidFill>
+              <a:schemeClr val="tx1"/>
+            </a:solidFill>
+          </a:ln>
+        </p:spPr>
+        <p:style>
+          <a:lnRef idx="2">
+            <a:schemeClr val="accent1">
+              <a:shade val="50000"/>
+            </a:schemeClr>
+          </a:lnRef>
+          <a:fillRef idx="1">
+            <a:schemeClr val="accent1"/>
+          </a:fillRef>
+          <a:effectRef idx="0">
+            <a:schemeClr val="accent1"/>
+          </a:effectRef>
+          <a:fontRef idx="minor">
+            <a:schemeClr val="lt1"/>
+          </a:fontRef>
+        </p:style>
+        <p:txBody>
+          <a:bodyPr rtlCol="0" anchor="ctr"/>
+          <a:lstStyle/>
+          <a:p>
+            <a:pPr algn="ctr"/>
+            <a:endParaRPr lang="en-US"/>
+          </a:p>
+        </p:txBody>
+      </p:sp>
+      <p:cxnSp>
+        <p:nvCxnSpPr>
+          <p:cNvPr id="70" name="Elbow Connector 69">
+            <a:extLst>
+              <a:ext uri="{FF2B5EF4-FFF2-40B4-BE49-F238E27FC236}">
+                <a16:creationId xmlns:a16="http://schemas.microsoft.com/office/drawing/2014/main" id="{F91DE30F-4958-1D4B-BF67-F31D44D58BC6}"/>
+              </a:ext>
+            </a:extLst>
+          </p:cNvPr>
+          <p:cNvCxnSpPr>
+            <a:cxnSpLocks/>
+            <a:stCxn id="87" idx="6"/>
+            <a:endCxn id="69" idx="6"/>
+          </p:cNvCxnSpPr>
+          <p:nvPr/>
+        </p:nvCxnSpPr>
+        <p:spPr>
+          <a:xfrm>
+            <a:off x="4084827" y="3717588"/>
+            <a:ext cx="838703" cy="1388830"/>
+          </a:xfrm>
+          <a:prstGeom prst="bentConnector3">
+            <a:avLst>
+              <a:gd name="adj1" fmla="val 266566"/>
+            </a:avLst>
+          </a:prstGeom>
+          <a:ln w="12700">
+            <a:solidFill>
+              <a:schemeClr val="bg1">
+                <a:lumMod val="50000"/>
+              </a:schemeClr>
+            </a:solidFill>
+            <a:prstDash val="lgDash"/>
+            <a:tailEnd type="triangle"/>
+          </a:ln>
+        </p:spPr>
+        <p:style>
+          <a:lnRef idx="1">
+            <a:schemeClr val="accent1"/>
+          </a:lnRef>
+          <a:fillRef idx="0">
+            <a:schemeClr val="accent1"/>
+          </a:fillRef>
+          <a:effectRef idx="0">
+            <a:schemeClr val="accent1"/>
+          </a:effectRef>
+          <a:fontRef idx="minor">
+            <a:schemeClr val="tx1"/>
+          </a:fontRef>
+        </p:style>
+      </p:cxnSp>
+      <p:sp>
+        <p:nvSpPr>
+          <p:cNvPr id="95" name="Rounded Rectangle 94">
+            <a:extLst>
+              <a:ext uri="{FF2B5EF4-FFF2-40B4-BE49-F238E27FC236}">
+                <a16:creationId xmlns:a16="http://schemas.microsoft.com/office/drawing/2014/main" id="{C63E5A5F-C54A-4748-8C12-0A06F3312EB1}"/>
+              </a:ext>
+            </a:extLst>
+          </p:cNvPr>
+          <p:cNvSpPr/>
+          <p:nvPr/>
+        </p:nvSpPr>
+        <p:spPr>
+          <a:xfrm>
+            <a:off x="4920592" y="3626426"/>
+            <a:ext cx="655361" cy="173148"/>
+          </a:xfrm>
+          <a:prstGeom prst="roundRect">
+            <a:avLst/>
+          </a:prstGeom>
+          <a:solidFill>
+            <a:schemeClr val="bg2"/>
+          </a:solidFill>
+          <a:ln>
+            <a:solidFill>
+              <a:schemeClr val="bg1">
+                <a:lumMod val="50000"/>
+              </a:schemeClr>
+            </a:solidFill>
+          </a:ln>
+        </p:spPr>
+        <p:style>
+          <a:lnRef idx="2">
+            <a:schemeClr val="accent1">
+              <a:shade val="50000"/>
+            </a:schemeClr>
+          </a:lnRef>
+          <a:fillRef idx="1">
+            <a:schemeClr val="accent1"/>
+          </a:fillRef>
+          <a:effectRef idx="0">
+            <a:schemeClr val="accent1"/>
+          </a:effectRef>
+          <a:fontRef idx="minor">
+            <a:schemeClr val="lt1"/>
+          </a:fontRef>
+        </p:style>
+        <p:txBody>
+          <a:bodyPr rtlCol="0" anchor="ctr"/>
+          <a:lstStyle/>
+          <a:p>
+            <a:pPr algn="ctr"/>
+            <a:r>
+              <a:rPr lang="en-US" sz="800" dirty="0" err="1">
+                <a:solidFill>
+                  <a:schemeClr val="tx1"/>
+                </a:solidFill>
+              </a:rPr>
+              <a:t>symlink</a:t>
+            </a:r>
+            <a:endParaRPr lang="en-US" sz="800" dirty="0">
+              <a:solidFill>
+                <a:schemeClr val="tx1"/>
+              </a:solidFill>
+            </a:endParaRPr>
+          </a:p>
+        </p:txBody>
+      </p:sp>
+    </p:spTree>
+    <p:extLst>
+      <p:ext uri="{BB962C8B-B14F-4D97-AF65-F5344CB8AC3E}">
+        <p14:creationId xmlns:p14="http://schemas.microsoft.com/office/powerpoint/2010/main" val="2770412098"/>
       </p:ext>
     </p:extLst>
   </p:cSld>
